--- a/Midterm_project_ppt.pptx
+++ b/Midterm_project_ppt.pptx
@@ -17,11 +17,14 @@
     <p:sldId id="268" r:id="rId11"/>
     <p:sldId id="261" r:id="rId12"/>
     <p:sldId id="262" r:id="rId13"/>
-    <p:sldId id="269" r:id="rId14"/>
-    <p:sldId id="270" r:id="rId15"/>
-    <p:sldId id="271" r:id="rId16"/>
-    <p:sldId id="272" r:id="rId17"/>
-    <p:sldId id="273" r:id="rId18"/>
+    <p:sldId id="275" r:id="rId14"/>
+    <p:sldId id="269" r:id="rId15"/>
+    <p:sldId id="270" r:id="rId16"/>
+    <p:sldId id="271" r:id="rId17"/>
+    <p:sldId id="272" r:id="rId18"/>
+    <p:sldId id="276" r:id="rId19"/>
+    <p:sldId id="273" r:id="rId20"/>
+    <p:sldId id="277" r:id="rId21"/>
   </p:sldIdLst>
   <p:sldSz cx="12192000" cy="6858000"/>
   <p:notesSz cx="6858000" cy="9144000"/>
@@ -8351,72 +8354,104 @@
           <a:lstStyle/>
           <a:p>
             <a:r>
-              <a:rPr lang="en-US" sz="1700"/>
+              <a:rPr lang="en-US" sz="1700" dirty="0"/>
               <a:t>The arrival delay within the range [0, 100] does not follow a normal distribution. The null hypothesis is rejected</a:t>
             </a:r>
           </a:p>
           <a:p>
             <a:r>
-              <a:rPr lang="en-US" sz="1700"/>
+              <a:rPr lang="en-US" sz="1700" dirty="0"/>
               <a:t>In the summer months the delays are highest</a:t>
             </a:r>
           </a:p>
           <a:p>
             <a:r>
-              <a:rPr lang="en-US" sz="1700"/>
-              <a:t>Negative correlation occurs between hour_of_day and taxi_in and a moderate positive correlation occurs between hour_of_day and taxi_out.</a:t>
+              <a:rPr lang="en-US" sz="1700" dirty="0"/>
+              <a:t>Negative correlation occurs between </a:t>
             </a:r>
-          </a:p>
-          <a:p>
             <a:r>
-              <a:rPr lang="en-US" sz="1700"/>
+              <a:rPr lang="en-US" sz="1700" dirty="0" err="1"/>
+              <a:t>hour_of_day</a:t>
+            </a:r>
+            <a:r>
+              <a:rPr lang="en-US" sz="1700" dirty="0"/>
+              <a:t> and </a:t>
+            </a:r>
+            <a:r>
+              <a:rPr lang="en-US" sz="1700" dirty="0" err="1"/>
+              <a:t>taxi_in</a:t>
+            </a:r>
+            <a:r>
+              <a:rPr lang="en-US" sz="1700" dirty="0"/>
+              <a:t> and a moderate positive correlation occurs between </a:t>
+            </a:r>
+            <a:r>
+              <a:rPr lang="en-US" sz="1700" dirty="0" err="1"/>
+              <a:t>hour_of_day</a:t>
+            </a:r>
+            <a:r>
+              <a:rPr lang="en-US" sz="1700" dirty="0"/>
+              <a:t> and </a:t>
+            </a:r>
+            <a:r>
+              <a:rPr lang="en-US" sz="1700" dirty="0" err="1"/>
+              <a:t>taxi_out</a:t>
+            </a:r>
+            <a:r>
+              <a:rPr lang="en-US" sz="1700" dirty="0"/>
+              <a:t>.</a:t>
+            </a:r>
+          </a:p>
+          <a:p>
+            <a:r>
+              <a:rPr lang="en-US" sz="1700" dirty="0"/>
               <a:t>Manchester Airport is the busiest based on passengers and flights.</a:t>
             </a:r>
           </a:p>
           <a:p>
             <a:r>
-              <a:rPr lang="en-US" sz="1700"/>
+              <a:rPr lang="en-US" sz="1700" dirty="0"/>
               <a:t>Approximately 73% of delays are created before departure.</a:t>
             </a:r>
           </a:p>
           <a:p>
             <a:r>
-              <a:rPr lang="en-US" sz="1700"/>
+              <a:rPr lang="en-US" sz="1700" dirty="0"/>
               <a:t>The state of California in the USA has the highest number of flights.</a:t>
             </a:r>
           </a:p>
           <a:p>
             <a:r>
-              <a:rPr lang="en-US" sz="1700"/>
-              <a:t> Short haul flights mostly leave at 17:00, medium haul flights leave at 6:00 and most long haul flights leave at 7:00.</a:t>
+              <a:rPr lang="en-US" sz="1700" dirty="0"/>
+              <a:t>Short haul flights mostly leave at 17:00, medium haul flights leave at 6:00 and most long haul flights leave at 7:00.</a:t>
             </a:r>
           </a:p>
           <a:p>
             <a:r>
-              <a:rPr lang="en-US" sz="1700"/>
-              <a:t>UA has the highest average monthly delay.</a:t>
+              <a:rPr lang="en-US" sz="1700" dirty="0"/>
+              <a:t>United Airlines has the highest average monthly delay.</a:t>
             </a:r>
           </a:p>
           <a:p>
             <a:r>
-              <a:rPr lang="en-US" sz="1700"/>
+              <a:rPr lang="en-US" sz="1700" dirty="0"/>
               <a:t>The fuel consumption per mile for flights with higher average delays are lower than flights with lower average delays.</a:t>
             </a:r>
           </a:p>
           <a:p>
-            <a:endParaRPr lang="en-US" sz="1700"/>
-          </a:p>
-          <a:p>
-            <a:endParaRPr lang="en-US" sz="1700"/>
+            <a:endParaRPr lang="en-US" sz="1700" dirty="0"/>
+          </a:p>
+          <a:p>
+            <a:endParaRPr lang="en-US" sz="1700" dirty="0"/>
           </a:p>
           <a:p>
             <a:pPr marL="0" indent="0">
               <a:buNone/>
             </a:pPr>
-            <a:endParaRPr lang="en-US" sz="1700"/>
-          </a:p>
-          <a:p>
-            <a:endParaRPr lang="en-CA" sz="1700"/>
+            <a:endParaRPr lang="en-US" sz="1700" dirty="0"/>
+          </a:p>
+          <a:p>
+            <a:endParaRPr lang="en-CA" sz="1700" dirty="0"/>
           </a:p>
         </p:txBody>
       </p:sp>
@@ -8434,6 +8469,209 @@
 </file>
 
 <file path=ppt/slides/slide13.xml><?xml version="1.0" encoding="utf-8"?>
+<p:sld xmlns:a="http://schemas.openxmlformats.org/drawingml/2006/main" xmlns:r="http://schemas.openxmlformats.org/officeDocument/2006/relationships" xmlns:p="http://schemas.openxmlformats.org/presentationml/2006/main">
+  <p:cSld>
+    <p:bg>
+      <p:bgPr>
+        <a:solidFill>
+          <a:schemeClr val="bg1"/>
+        </a:solidFill>
+        <a:effectLst/>
+      </p:bgPr>
+    </p:bg>
+    <p:spTree>
+      <p:nvGrpSpPr>
+        <p:cNvPr id="1" name=""/>
+        <p:cNvGrpSpPr/>
+        <p:nvPr/>
+      </p:nvGrpSpPr>
+      <p:grpSpPr>
+        <a:xfrm>
+          <a:off x="0" y="0"/>
+          <a:ext cx="0" cy="0"/>
+          <a:chOff x="0" y="0"/>
+          <a:chExt cx="0" cy="0"/>
+        </a:xfrm>
+      </p:grpSpPr>
+      <p:sp>
+        <p:nvSpPr>
+          <p:cNvPr id="10" name="Flowchart: Document 9">
+            <a:extLst>
+              <a:ext uri="{FF2B5EF4-FFF2-40B4-BE49-F238E27FC236}">
+                <a16:creationId xmlns:a16="http://schemas.microsoft.com/office/drawing/2014/main" id="{D12DDE76-C203-4047-9998-63900085B5E8}"/>
+              </a:ext>
+              <a:ext uri="{C183D7F6-B498-43B3-948B-1728B52AA6E4}">
+                <adec:decorative xmlns:adec="http://schemas.microsoft.com/office/drawing/2017/decorative" val="1"/>
+              </a:ext>
+            </a:extLst>
+          </p:cNvPr>
+          <p:cNvSpPr>
+            <a:spLocks noGrp="1" noRot="1" noChangeAspect="1" noMove="1" noResize="1" noEditPoints="1" noAdjustHandles="1" noChangeArrowheads="1" noChangeShapeType="1" noTextEdit="1"/>
+          </p:cNvSpPr>
+          <p:nvPr>
+            <p:extLst>
+              <p:ext uri="{386F3935-93C4-4BCD-93E2-E3B085C9AB24}">
+                <p16:designElem xmlns:p16="http://schemas.microsoft.com/office/powerpoint/2015/main" val="1"/>
+              </p:ext>
+            </p:extLst>
+          </p:nvPr>
+        </p:nvSpPr>
+        <p:spPr>
+          <a:xfrm>
+            <a:off x="638175" y="0"/>
+            <a:ext cx="3248025" cy="3400426"/>
+          </a:xfrm>
+          <a:prstGeom prst="flowChartDocument">
+            <a:avLst/>
+          </a:prstGeom>
+          <a:solidFill>
+            <a:schemeClr val="accent1"/>
+          </a:solidFill>
+          <a:ln>
+            <a:noFill/>
+          </a:ln>
+        </p:spPr>
+        <p:style>
+          <a:lnRef idx="2">
+            <a:schemeClr val="accent1">
+              <a:shade val="50000"/>
+            </a:schemeClr>
+          </a:lnRef>
+          <a:fillRef idx="1">
+            <a:schemeClr val="accent1"/>
+          </a:fillRef>
+          <a:effectRef idx="0">
+            <a:schemeClr val="accent1"/>
+          </a:effectRef>
+          <a:fontRef idx="minor">
+            <a:schemeClr val="lt1"/>
+          </a:fontRef>
+        </p:style>
+        <p:txBody>
+          <a:bodyPr rtlCol="0" anchor="ctr"/>
+          <a:lstStyle/>
+          <a:p>
+            <a:pPr marL="0" marR="0" lvl="0" indent="0" algn="ctr" defTabSz="914400" rtl="0" eaLnBrk="1" fontAlgn="auto" latinLnBrk="0" hangingPunct="1">
+              <a:lnSpc>
+                <a:spcPct val="100000"/>
+              </a:lnSpc>
+              <a:spcBef>
+                <a:spcPts val="0"/>
+              </a:spcBef>
+              <a:spcAft>
+                <a:spcPts val="0"/>
+              </a:spcAft>
+              <a:buClrTx/>
+              <a:buSzTx/>
+              <a:buFontTx/>
+              <a:buNone/>
+              <a:tabLst/>
+              <a:defRPr/>
+            </a:pPr>
+            <a:endParaRPr kumimoji="0" lang="en-US" sz="1800" b="0" i="0" u="none" strike="noStrike" kern="1200" cap="none" spc="0" normalizeH="0" baseline="0" noProof="0">
+              <a:ln>
+                <a:noFill/>
+              </a:ln>
+              <a:solidFill>
+                <a:prstClr val="white"/>
+              </a:solidFill>
+              <a:effectLst/>
+              <a:uLnTx/>
+              <a:uFillTx/>
+              <a:latin typeface="Calibri" panose="020F0502020204030204"/>
+              <a:ea typeface="+mn-ea"/>
+              <a:cs typeface="+mn-cs"/>
+            </a:endParaRPr>
+          </a:p>
+        </p:txBody>
+      </p:sp>
+      <p:sp>
+        <p:nvSpPr>
+          <p:cNvPr id="2" name="Title 1">
+            <a:extLst>
+              <a:ext uri="{FF2B5EF4-FFF2-40B4-BE49-F238E27FC236}">
+                <a16:creationId xmlns:a16="http://schemas.microsoft.com/office/drawing/2014/main" id="{4B2FA643-1500-6F50-0A8A-397F1EC0CF7A}"/>
+              </a:ext>
+            </a:extLst>
+          </p:cNvPr>
+          <p:cNvSpPr>
+            <a:spLocks noGrp="1"/>
+          </p:cNvSpPr>
+          <p:nvPr>
+            <p:ph type="title"/>
+          </p:nvPr>
+        </p:nvSpPr>
+        <p:spPr>
+          <a:xfrm>
+            <a:off x="838200" y="171162"/>
+            <a:ext cx="2840182" cy="2371148"/>
+          </a:xfrm>
+        </p:spPr>
+        <p:txBody>
+          <a:bodyPr vert="horz" lIns="91440" tIns="45720" rIns="91440" bIns="45720" rtlCol="0" anchor="ctr">
+            <a:normAutofit/>
+          </a:bodyPr>
+          <a:lstStyle/>
+          <a:p>
+            <a:r>
+              <a:rPr lang="en-US" sz="3200" kern="1200" dirty="0">
+                <a:solidFill>
+                  <a:srgbClr val="FFFFFF"/>
+                </a:solidFill>
+                <a:latin typeface="+mj-lt"/>
+                <a:ea typeface="+mj-ea"/>
+                <a:cs typeface="+mj-cs"/>
+              </a:rPr>
+              <a:t>Modelling workflow</a:t>
+            </a:r>
+          </a:p>
+        </p:txBody>
+      </p:sp>
+      <p:pic>
+        <p:nvPicPr>
+          <p:cNvPr id="5" name="Content Placeholder 4">
+            <a:extLst>
+              <a:ext uri="{FF2B5EF4-FFF2-40B4-BE49-F238E27FC236}">
+                <a16:creationId xmlns:a16="http://schemas.microsoft.com/office/drawing/2014/main" id="{46B24111-A5AA-4C80-CC7B-3FA6D36E6D79}"/>
+              </a:ext>
+            </a:extLst>
+          </p:cNvPr>
+          <p:cNvPicPr>
+            <a:picLocks noGrp="1" noChangeAspect="1"/>
+          </p:cNvPicPr>
+          <p:nvPr>
+            <p:ph idx="1"/>
+          </p:nvPr>
+        </p:nvPicPr>
+        <p:blipFill rotWithShape="1">
+          <a:blip r:embed="rId2"/>
+          <a:srcRect t="4795" r="5001"/>
+          <a:stretch/>
+        </p:blipFill>
+        <p:spPr>
+          <a:xfrm>
+            <a:off x="4086226" y="1871455"/>
+            <a:ext cx="8105774" cy="4244494"/>
+          </a:xfrm>
+          <a:prstGeom prst="rect">
+            <a:avLst/>
+          </a:prstGeom>
+        </p:spPr>
+      </p:pic>
+    </p:spTree>
+    <p:extLst>
+      <p:ext uri="{BB962C8B-B14F-4D97-AF65-F5344CB8AC3E}">
+        <p14:creationId xmlns:p14="http://schemas.microsoft.com/office/powerpoint/2010/main" val="139725885"/>
+      </p:ext>
+    </p:extLst>
+  </p:cSld>
+  <p:clrMapOvr>
+    <a:masterClrMapping/>
+  </p:clrMapOvr>
+</p:sld>
+</file>
+
+<file path=ppt/slides/slide14.xml><?xml version="1.0" encoding="utf-8"?>
 <p:sld xmlns:a="http://schemas.openxmlformats.org/drawingml/2006/main" xmlns:r="http://schemas.openxmlformats.org/officeDocument/2006/relationships" xmlns:p="http://schemas.openxmlformats.org/presentationml/2006/main">
   <p:cSld>
     <p:bg>
@@ -8882,9 +9120,17 @@
 </p:sld>
 </file>
 
-<file path=ppt/slides/slide14.xml><?xml version="1.0" encoding="utf-8"?>
+<file path=ppt/slides/slide15.xml><?xml version="1.0" encoding="utf-8"?>
 <p:sld xmlns:a="http://schemas.openxmlformats.org/drawingml/2006/main" xmlns:r="http://schemas.openxmlformats.org/officeDocument/2006/relationships" xmlns:p="http://schemas.openxmlformats.org/presentationml/2006/main">
   <p:cSld>
+    <p:bg>
+      <p:bgPr>
+        <a:solidFill>
+          <a:schemeClr val="bg1"/>
+        </a:solidFill>
+        <a:effectLst/>
+      </p:bgPr>
+    </p:bg>
     <p:spTree>
       <p:nvGrpSpPr>
         <p:cNvPr id="1" name=""/>
@@ -8899,6 +9145,66 @@
           <a:chExt cx="0" cy="0"/>
         </a:xfrm>
       </p:grpSpPr>
+      <p:sp useBgFill="1">
+        <p:nvSpPr>
+          <p:cNvPr id="15" name="Rectangle 14">
+            <a:extLst>
+              <a:ext uri="{FF2B5EF4-FFF2-40B4-BE49-F238E27FC236}">
+                <a16:creationId xmlns:a16="http://schemas.microsoft.com/office/drawing/2014/main" id="{100EDD19-6802-4EC3-95CE-CFFAB042CFD6}"/>
+              </a:ext>
+              <a:ext uri="{C183D7F6-B498-43B3-948B-1728B52AA6E4}">
+                <adec:decorative xmlns:adec="http://schemas.microsoft.com/office/drawing/2017/decorative" val="1"/>
+              </a:ext>
+            </a:extLst>
+          </p:cNvPr>
+          <p:cNvSpPr>
+            <a:spLocks noGrp="1" noRot="1" noChangeAspect="1" noMove="1" noResize="1" noEditPoints="1" noAdjustHandles="1" noChangeArrowheads="1" noChangeShapeType="1" noTextEdit="1"/>
+          </p:cNvSpPr>
+          <p:nvPr>
+            <p:extLst>
+              <p:ext uri="{386F3935-93C4-4BCD-93E2-E3B085C9AB24}">
+                <p16:designElem xmlns:p16="http://schemas.microsoft.com/office/powerpoint/2015/main" val="1"/>
+              </p:ext>
+            </p:extLst>
+          </p:nvPr>
+        </p:nvSpPr>
+        <p:spPr>
+          <a:xfrm>
+            <a:off x="0" y="0"/>
+            <a:ext cx="12188952" cy="6858000"/>
+          </a:xfrm>
+          <a:prstGeom prst="rect">
+            <a:avLst/>
+          </a:prstGeom>
+          <a:ln>
+            <a:noFill/>
+          </a:ln>
+        </p:spPr>
+        <p:style>
+          <a:lnRef idx="2">
+            <a:schemeClr val="accent1">
+              <a:shade val="50000"/>
+            </a:schemeClr>
+          </a:lnRef>
+          <a:fillRef idx="1">
+            <a:schemeClr val="accent1"/>
+          </a:fillRef>
+          <a:effectRef idx="0">
+            <a:schemeClr val="accent1"/>
+          </a:effectRef>
+          <a:fontRef idx="minor">
+            <a:schemeClr val="lt1"/>
+          </a:fontRef>
+        </p:style>
+        <p:txBody>
+          <a:bodyPr rtlCol="0" anchor="ctr"/>
+          <a:lstStyle/>
+          <a:p>
+            <a:pPr algn="ctr"/>
+            <a:endParaRPr lang="en-US"/>
+          </a:p>
+        </p:txBody>
+      </p:sp>
       <p:sp>
         <p:nvSpPr>
           <p:cNvPr id="2" name="Title 1">
@@ -8915,15 +9221,660 @@
             <p:ph type="title"/>
           </p:nvPr>
         </p:nvSpPr>
-        <p:spPr/>
+        <p:spPr>
+          <a:xfrm>
+            <a:off x="838200" y="365125"/>
+            <a:ext cx="10515600" cy="1325563"/>
+          </a:xfrm>
+        </p:spPr>
         <p:txBody>
-          <a:bodyPr/>
+          <a:bodyPr>
+            <a:normAutofit/>
+          </a:bodyPr>
           <a:lstStyle/>
           <a:p>
             <a:r>
-              <a:rPr lang="en-US" dirty="0"/>
+              <a:rPr lang="en-US" sz="5400"/>
               <a:t>Feature Importance</a:t>
             </a:r>
+          </a:p>
+        </p:txBody>
+      </p:sp>
+      <p:sp>
+        <p:nvSpPr>
+          <p:cNvPr id="17" name="sketch line">
+            <a:extLst>
+              <a:ext uri="{FF2B5EF4-FFF2-40B4-BE49-F238E27FC236}">
+                <a16:creationId xmlns:a16="http://schemas.microsoft.com/office/drawing/2014/main" id="{DB17E863-922E-4C26-BD64-E8FD41D28661}"/>
+              </a:ext>
+              <a:ext uri="{C183D7F6-B498-43B3-948B-1728B52AA6E4}">
+                <adec:decorative xmlns:adec="http://schemas.microsoft.com/office/drawing/2017/decorative" val="1"/>
+              </a:ext>
+            </a:extLst>
+          </p:cNvPr>
+          <p:cNvSpPr>
+            <a:spLocks noGrp="1" noRot="1" noChangeAspect="1" noMove="1" noResize="1" noEditPoints="1" noAdjustHandles="1" noChangeArrowheads="1" noChangeShapeType="1" noTextEdit="1"/>
+          </p:cNvSpPr>
+          <p:nvPr>
+            <p:extLst>
+              <p:ext uri="{386F3935-93C4-4BCD-93E2-E3B085C9AB24}">
+                <p16:designElem xmlns:p16="http://schemas.microsoft.com/office/powerpoint/2015/main" val="1"/>
+              </p:ext>
+            </p:extLst>
+          </p:nvPr>
+        </p:nvSpPr>
+        <p:spPr>
+          <a:xfrm>
+            <a:off x="669036" y="1677373"/>
+            <a:ext cx="10853928" cy="18288"/>
+          </a:xfrm>
+          <a:custGeom>
+            <a:avLst/>
+            <a:gdLst>
+              <a:gd name="connsiteX0" fmla="*/ 0 w 10853928"/>
+              <a:gd name="connsiteY0" fmla="*/ 0 h 18288"/>
+              <a:gd name="connsiteX1" fmla="*/ 461292 w 10853928"/>
+              <a:gd name="connsiteY1" fmla="*/ 0 h 18288"/>
+              <a:gd name="connsiteX2" fmla="*/ 1139662 w 10853928"/>
+              <a:gd name="connsiteY2" fmla="*/ 0 h 18288"/>
+              <a:gd name="connsiteX3" fmla="*/ 1926572 w 10853928"/>
+              <a:gd name="connsiteY3" fmla="*/ 0 h 18288"/>
+              <a:gd name="connsiteX4" fmla="*/ 2279325 w 10853928"/>
+              <a:gd name="connsiteY4" fmla="*/ 0 h 18288"/>
+              <a:gd name="connsiteX5" fmla="*/ 2632078 w 10853928"/>
+              <a:gd name="connsiteY5" fmla="*/ 0 h 18288"/>
+              <a:gd name="connsiteX6" fmla="*/ 3527527 w 10853928"/>
+              <a:gd name="connsiteY6" fmla="*/ 0 h 18288"/>
+              <a:gd name="connsiteX7" fmla="*/ 4205897 w 10853928"/>
+              <a:gd name="connsiteY7" fmla="*/ 0 h 18288"/>
+              <a:gd name="connsiteX8" fmla="*/ 4558650 w 10853928"/>
+              <a:gd name="connsiteY8" fmla="*/ 0 h 18288"/>
+              <a:gd name="connsiteX9" fmla="*/ 5237020 w 10853928"/>
+              <a:gd name="connsiteY9" fmla="*/ 0 h 18288"/>
+              <a:gd name="connsiteX10" fmla="*/ 6132469 w 10853928"/>
+              <a:gd name="connsiteY10" fmla="*/ 0 h 18288"/>
+              <a:gd name="connsiteX11" fmla="*/ 6702301 w 10853928"/>
+              <a:gd name="connsiteY11" fmla="*/ 0 h 18288"/>
+              <a:gd name="connsiteX12" fmla="*/ 7272132 w 10853928"/>
+              <a:gd name="connsiteY12" fmla="*/ 0 h 18288"/>
+              <a:gd name="connsiteX13" fmla="*/ 7950502 w 10853928"/>
+              <a:gd name="connsiteY13" fmla="*/ 0 h 18288"/>
+              <a:gd name="connsiteX14" fmla="*/ 8737412 w 10853928"/>
+              <a:gd name="connsiteY14" fmla="*/ 0 h 18288"/>
+              <a:gd name="connsiteX15" fmla="*/ 9524322 w 10853928"/>
+              <a:gd name="connsiteY15" fmla="*/ 0 h 18288"/>
+              <a:gd name="connsiteX16" fmla="*/ 10853928 w 10853928"/>
+              <a:gd name="connsiteY16" fmla="*/ 0 h 18288"/>
+              <a:gd name="connsiteX17" fmla="*/ 10853928 w 10853928"/>
+              <a:gd name="connsiteY17" fmla="*/ 18288 h 18288"/>
+              <a:gd name="connsiteX18" fmla="*/ 10392636 w 10853928"/>
+              <a:gd name="connsiteY18" fmla="*/ 18288 h 18288"/>
+              <a:gd name="connsiteX19" fmla="*/ 9497187 w 10853928"/>
+              <a:gd name="connsiteY19" fmla="*/ 18288 h 18288"/>
+              <a:gd name="connsiteX20" fmla="*/ 8818817 w 10853928"/>
+              <a:gd name="connsiteY20" fmla="*/ 18288 h 18288"/>
+              <a:gd name="connsiteX21" fmla="*/ 8466064 w 10853928"/>
+              <a:gd name="connsiteY21" fmla="*/ 18288 h 18288"/>
+              <a:gd name="connsiteX22" fmla="*/ 7787693 w 10853928"/>
+              <a:gd name="connsiteY22" fmla="*/ 18288 h 18288"/>
+              <a:gd name="connsiteX23" fmla="*/ 7217862 w 10853928"/>
+              <a:gd name="connsiteY23" fmla="*/ 18288 h 18288"/>
+              <a:gd name="connsiteX24" fmla="*/ 6648031 w 10853928"/>
+              <a:gd name="connsiteY24" fmla="*/ 18288 h 18288"/>
+              <a:gd name="connsiteX25" fmla="*/ 6078200 w 10853928"/>
+              <a:gd name="connsiteY25" fmla="*/ 18288 h 18288"/>
+              <a:gd name="connsiteX26" fmla="*/ 5508368 w 10853928"/>
+              <a:gd name="connsiteY26" fmla="*/ 18288 h 18288"/>
+              <a:gd name="connsiteX27" fmla="*/ 4721459 w 10853928"/>
+              <a:gd name="connsiteY27" fmla="*/ 18288 h 18288"/>
+              <a:gd name="connsiteX28" fmla="*/ 4043088 w 10853928"/>
+              <a:gd name="connsiteY28" fmla="*/ 18288 h 18288"/>
+              <a:gd name="connsiteX29" fmla="*/ 3690336 w 10853928"/>
+              <a:gd name="connsiteY29" fmla="*/ 18288 h 18288"/>
+              <a:gd name="connsiteX30" fmla="*/ 3120504 w 10853928"/>
+              <a:gd name="connsiteY30" fmla="*/ 18288 h 18288"/>
+              <a:gd name="connsiteX31" fmla="*/ 2333595 w 10853928"/>
+              <a:gd name="connsiteY31" fmla="*/ 18288 h 18288"/>
+              <a:gd name="connsiteX32" fmla="*/ 1872303 w 10853928"/>
+              <a:gd name="connsiteY32" fmla="*/ 18288 h 18288"/>
+              <a:gd name="connsiteX33" fmla="*/ 976854 w 10853928"/>
+              <a:gd name="connsiteY33" fmla="*/ 18288 h 18288"/>
+              <a:gd name="connsiteX34" fmla="*/ 0 w 10853928"/>
+              <a:gd name="connsiteY34" fmla="*/ 18288 h 18288"/>
+              <a:gd name="connsiteX35" fmla="*/ 0 w 10853928"/>
+              <a:gd name="connsiteY35" fmla="*/ 0 h 18288"/>
+            </a:gdLst>
+            <a:ahLst/>
+            <a:cxnLst>
+              <a:cxn ang="0">
+                <a:pos x="connsiteX0" y="connsiteY0"/>
+              </a:cxn>
+              <a:cxn ang="0">
+                <a:pos x="connsiteX1" y="connsiteY1"/>
+              </a:cxn>
+              <a:cxn ang="0">
+                <a:pos x="connsiteX2" y="connsiteY2"/>
+              </a:cxn>
+              <a:cxn ang="0">
+                <a:pos x="connsiteX3" y="connsiteY3"/>
+              </a:cxn>
+              <a:cxn ang="0">
+                <a:pos x="connsiteX4" y="connsiteY4"/>
+              </a:cxn>
+              <a:cxn ang="0">
+                <a:pos x="connsiteX5" y="connsiteY5"/>
+              </a:cxn>
+              <a:cxn ang="0">
+                <a:pos x="connsiteX6" y="connsiteY6"/>
+              </a:cxn>
+              <a:cxn ang="0">
+                <a:pos x="connsiteX7" y="connsiteY7"/>
+              </a:cxn>
+              <a:cxn ang="0">
+                <a:pos x="connsiteX8" y="connsiteY8"/>
+              </a:cxn>
+              <a:cxn ang="0">
+                <a:pos x="connsiteX9" y="connsiteY9"/>
+              </a:cxn>
+              <a:cxn ang="0">
+                <a:pos x="connsiteX10" y="connsiteY10"/>
+              </a:cxn>
+              <a:cxn ang="0">
+                <a:pos x="connsiteX11" y="connsiteY11"/>
+              </a:cxn>
+              <a:cxn ang="0">
+                <a:pos x="connsiteX12" y="connsiteY12"/>
+              </a:cxn>
+              <a:cxn ang="0">
+                <a:pos x="connsiteX13" y="connsiteY13"/>
+              </a:cxn>
+              <a:cxn ang="0">
+                <a:pos x="connsiteX14" y="connsiteY14"/>
+              </a:cxn>
+              <a:cxn ang="0">
+                <a:pos x="connsiteX15" y="connsiteY15"/>
+              </a:cxn>
+              <a:cxn ang="0">
+                <a:pos x="connsiteX16" y="connsiteY16"/>
+              </a:cxn>
+              <a:cxn ang="0">
+                <a:pos x="connsiteX17" y="connsiteY17"/>
+              </a:cxn>
+              <a:cxn ang="0">
+                <a:pos x="connsiteX18" y="connsiteY18"/>
+              </a:cxn>
+              <a:cxn ang="0">
+                <a:pos x="connsiteX19" y="connsiteY19"/>
+              </a:cxn>
+              <a:cxn ang="0">
+                <a:pos x="connsiteX20" y="connsiteY20"/>
+              </a:cxn>
+              <a:cxn ang="0">
+                <a:pos x="connsiteX21" y="connsiteY21"/>
+              </a:cxn>
+              <a:cxn ang="0">
+                <a:pos x="connsiteX22" y="connsiteY22"/>
+              </a:cxn>
+              <a:cxn ang="0">
+                <a:pos x="connsiteX23" y="connsiteY23"/>
+              </a:cxn>
+              <a:cxn ang="0">
+                <a:pos x="connsiteX24" y="connsiteY24"/>
+              </a:cxn>
+              <a:cxn ang="0">
+                <a:pos x="connsiteX25" y="connsiteY25"/>
+              </a:cxn>
+              <a:cxn ang="0">
+                <a:pos x="connsiteX26" y="connsiteY26"/>
+              </a:cxn>
+              <a:cxn ang="0">
+                <a:pos x="connsiteX27" y="connsiteY27"/>
+              </a:cxn>
+              <a:cxn ang="0">
+                <a:pos x="connsiteX28" y="connsiteY28"/>
+              </a:cxn>
+              <a:cxn ang="0">
+                <a:pos x="connsiteX29" y="connsiteY29"/>
+              </a:cxn>
+              <a:cxn ang="0">
+                <a:pos x="connsiteX30" y="connsiteY30"/>
+              </a:cxn>
+              <a:cxn ang="0">
+                <a:pos x="connsiteX31" y="connsiteY31"/>
+              </a:cxn>
+              <a:cxn ang="0">
+                <a:pos x="connsiteX32" y="connsiteY32"/>
+              </a:cxn>
+              <a:cxn ang="0">
+                <a:pos x="connsiteX33" y="connsiteY33"/>
+              </a:cxn>
+              <a:cxn ang="0">
+                <a:pos x="connsiteX34" y="connsiteY34"/>
+              </a:cxn>
+              <a:cxn ang="0">
+                <a:pos x="connsiteX35" y="connsiteY35"/>
+              </a:cxn>
+            </a:cxnLst>
+            <a:rect l="l" t="t" r="r" b="b"/>
+            <a:pathLst>
+              <a:path w="10853928" h="18288" fill="none" extrusionOk="0">
+                <a:moveTo>
+                  <a:pt x="0" y="0"/>
+                </a:moveTo>
+                <a:cubicBezTo>
+                  <a:pt x="146993" y="-19076"/>
+                  <a:pt x="347684" y="-4790"/>
+                  <a:pt x="461292" y="0"/>
+                </a:cubicBezTo>
+                <a:cubicBezTo>
+                  <a:pt x="574900" y="4790"/>
+                  <a:pt x="808367" y="19821"/>
+                  <a:pt x="1139662" y="0"/>
+                </a:cubicBezTo>
+                <a:cubicBezTo>
+                  <a:pt x="1470957" y="-19821"/>
+                  <a:pt x="1627405" y="5721"/>
+                  <a:pt x="1926572" y="0"/>
+                </a:cubicBezTo>
+                <a:cubicBezTo>
+                  <a:pt x="2225739" y="-5721"/>
+                  <a:pt x="2137730" y="-3235"/>
+                  <a:pt x="2279325" y="0"/>
+                </a:cubicBezTo>
+                <a:cubicBezTo>
+                  <a:pt x="2420920" y="3235"/>
+                  <a:pt x="2456518" y="9685"/>
+                  <a:pt x="2632078" y="0"/>
+                </a:cubicBezTo>
+                <a:cubicBezTo>
+                  <a:pt x="2807638" y="-9685"/>
+                  <a:pt x="3211516" y="-43007"/>
+                  <a:pt x="3527527" y="0"/>
+                </a:cubicBezTo>
+                <a:cubicBezTo>
+                  <a:pt x="3843538" y="43007"/>
+                  <a:pt x="4058833" y="22042"/>
+                  <a:pt x="4205897" y="0"/>
+                </a:cubicBezTo>
+                <a:cubicBezTo>
+                  <a:pt x="4352961" y="-22042"/>
+                  <a:pt x="4474805" y="-11846"/>
+                  <a:pt x="4558650" y="0"/>
+                </a:cubicBezTo>
+                <a:cubicBezTo>
+                  <a:pt x="4642495" y="11846"/>
+                  <a:pt x="5041928" y="-6069"/>
+                  <a:pt x="5237020" y="0"/>
+                </a:cubicBezTo>
+                <a:cubicBezTo>
+                  <a:pt x="5432112" y="6069"/>
+                  <a:pt x="5943266" y="-17479"/>
+                  <a:pt x="6132469" y="0"/>
+                </a:cubicBezTo>
+                <a:cubicBezTo>
+                  <a:pt x="6321672" y="17479"/>
+                  <a:pt x="6483872" y="26234"/>
+                  <a:pt x="6702301" y="0"/>
+                </a:cubicBezTo>
+                <a:cubicBezTo>
+                  <a:pt x="6920730" y="-26234"/>
+                  <a:pt x="6991194" y="-15156"/>
+                  <a:pt x="7272132" y="0"/>
+                </a:cubicBezTo>
+                <a:cubicBezTo>
+                  <a:pt x="7553070" y="15156"/>
+                  <a:pt x="7684444" y="-32961"/>
+                  <a:pt x="7950502" y="0"/>
+                </a:cubicBezTo>
+                <a:cubicBezTo>
+                  <a:pt x="8216560" y="32961"/>
+                  <a:pt x="8493290" y="-10491"/>
+                  <a:pt x="8737412" y="0"/>
+                </a:cubicBezTo>
+                <a:cubicBezTo>
+                  <a:pt x="8981534" y="10491"/>
+                  <a:pt x="9191586" y="-13899"/>
+                  <a:pt x="9524322" y="0"/>
+                </a:cubicBezTo>
+                <a:cubicBezTo>
+                  <a:pt x="9857058" y="13899"/>
+                  <a:pt x="10297509" y="7485"/>
+                  <a:pt x="10853928" y="0"/>
+                </a:cubicBezTo>
+                <a:cubicBezTo>
+                  <a:pt x="10854574" y="4451"/>
+                  <a:pt x="10854418" y="9226"/>
+                  <a:pt x="10853928" y="18288"/>
+                </a:cubicBezTo>
+                <a:cubicBezTo>
+                  <a:pt x="10691638" y="28522"/>
+                  <a:pt x="10574319" y="29578"/>
+                  <a:pt x="10392636" y="18288"/>
+                </a:cubicBezTo>
+                <a:cubicBezTo>
+                  <a:pt x="10210953" y="6998"/>
+                  <a:pt x="9836277" y="-16742"/>
+                  <a:pt x="9497187" y="18288"/>
+                </a:cubicBezTo>
+                <a:cubicBezTo>
+                  <a:pt x="9158097" y="53318"/>
+                  <a:pt x="9119479" y="30714"/>
+                  <a:pt x="8818817" y="18288"/>
+                </a:cubicBezTo>
+                <a:cubicBezTo>
+                  <a:pt x="8518155" y="5863"/>
+                  <a:pt x="8640037" y="6483"/>
+                  <a:pt x="8466064" y="18288"/>
+                </a:cubicBezTo>
+                <a:cubicBezTo>
+                  <a:pt x="8292091" y="30093"/>
+                  <a:pt x="7997656" y="18914"/>
+                  <a:pt x="7787693" y="18288"/>
+                </a:cubicBezTo>
+                <a:cubicBezTo>
+                  <a:pt x="7577730" y="17662"/>
+                  <a:pt x="7412468" y="21416"/>
+                  <a:pt x="7217862" y="18288"/>
+                </a:cubicBezTo>
+                <a:cubicBezTo>
+                  <a:pt x="7023256" y="15160"/>
+                  <a:pt x="6898018" y="14824"/>
+                  <a:pt x="6648031" y="18288"/>
+                </a:cubicBezTo>
+                <a:cubicBezTo>
+                  <a:pt x="6398044" y="21752"/>
+                  <a:pt x="6254402" y="38625"/>
+                  <a:pt x="6078200" y="18288"/>
+                </a:cubicBezTo>
+                <a:cubicBezTo>
+                  <a:pt x="5901998" y="-2049"/>
+                  <a:pt x="5622886" y="3213"/>
+                  <a:pt x="5508368" y="18288"/>
+                </a:cubicBezTo>
+                <a:cubicBezTo>
+                  <a:pt x="5393850" y="33363"/>
+                  <a:pt x="5036260" y="26830"/>
+                  <a:pt x="4721459" y="18288"/>
+                </a:cubicBezTo>
+                <a:cubicBezTo>
+                  <a:pt x="4406658" y="9746"/>
+                  <a:pt x="4239221" y="41551"/>
+                  <a:pt x="4043088" y="18288"/>
+                </a:cubicBezTo>
+                <a:cubicBezTo>
+                  <a:pt x="3846955" y="-4975"/>
+                  <a:pt x="3818802" y="34658"/>
+                  <a:pt x="3690336" y="18288"/>
+                </a:cubicBezTo>
+                <a:cubicBezTo>
+                  <a:pt x="3561870" y="1918"/>
+                  <a:pt x="3265491" y="42194"/>
+                  <a:pt x="3120504" y="18288"/>
+                </a:cubicBezTo>
+                <a:cubicBezTo>
+                  <a:pt x="2975517" y="-5618"/>
+                  <a:pt x="2720254" y="36673"/>
+                  <a:pt x="2333595" y="18288"/>
+                </a:cubicBezTo>
+                <a:cubicBezTo>
+                  <a:pt x="1946936" y="-97"/>
+                  <a:pt x="2097241" y="5776"/>
+                  <a:pt x="1872303" y="18288"/>
+                </a:cubicBezTo>
+                <a:cubicBezTo>
+                  <a:pt x="1647365" y="30800"/>
+                  <a:pt x="1282708" y="45380"/>
+                  <a:pt x="976854" y="18288"/>
+                </a:cubicBezTo>
+                <a:cubicBezTo>
+                  <a:pt x="671000" y="-8804"/>
+                  <a:pt x="408401" y="-12775"/>
+                  <a:pt x="0" y="18288"/>
+                </a:cubicBezTo>
+                <a:cubicBezTo>
+                  <a:pt x="-213" y="9468"/>
+                  <a:pt x="187" y="4459"/>
+                  <a:pt x="0" y="0"/>
+                </a:cubicBezTo>
+                <a:close/>
+              </a:path>
+              <a:path w="10853928" h="18288" stroke="0" extrusionOk="0">
+                <a:moveTo>
+                  <a:pt x="0" y="0"/>
+                </a:moveTo>
+                <a:cubicBezTo>
+                  <a:pt x="267322" y="15284"/>
+                  <a:pt x="415388" y="-21048"/>
+                  <a:pt x="569831" y="0"/>
+                </a:cubicBezTo>
+                <a:cubicBezTo>
+                  <a:pt x="724274" y="21048"/>
+                  <a:pt x="769333" y="-2353"/>
+                  <a:pt x="922584" y="0"/>
+                </a:cubicBezTo>
+                <a:cubicBezTo>
+                  <a:pt x="1075835" y="2353"/>
+                  <a:pt x="1399490" y="-145"/>
+                  <a:pt x="1818033" y="0"/>
+                </a:cubicBezTo>
+                <a:cubicBezTo>
+                  <a:pt x="2236576" y="145"/>
+                  <a:pt x="2145330" y="5482"/>
+                  <a:pt x="2387864" y="0"/>
+                </a:cubicBezTo>
+                <a:cubicBezTo>
+                  <a:pt x="2630398" y="-5482"/>
+                  <a:pt x="2793207" y="18487"/>
+                  <a:pt x="2957695" y="0"/>
+                </a:cubicBezTo>
+                <a:cubicBezTo>
+                  <a:pt x="3122183" y="-18487"/>
+                  <a:pt x="3579141" y="19003"/>
+                  <a:pt x="3853144" y="0"/>
+                </a:cubicBezTo>
+                <a:cubicBezTo>
+                  <a:pt x="4127147" y="-19003"/>
+                  <a:pt x="4209857" y="12211"/>
+                  <a:pt x="4314436" y="0"/>
+                </a:cubicBezTo>
+                <a:cubicBezTo>
+                  <a:pt x="4419015" y="-12211"/>
+                  <a:pt x="4762459" y="-17220"/>
+                  <a:pt x="5209885" y="0"/>
+                </a:cubicBezTo>
+                <a:cubicBezTo>
+                  <a:pt x="5657311" y="17220"/>
+                  <a:pt x="5692663" y="-3290"/>
+                  <a:pt x="6105335" y="0"/>
+                </a:cubicBezTo>
+                <a:cubicBezTo>
+                  <a:pt x="6518007" y="3290"/>
+                  <a:pt x="6455516" y="-5124"/>
+                  <a:pt x="6783705" y="0"/>
+                </a:cubicBezTo>
+                <a:cubicBezTo>
+                  <a:pt x="7111894" y="5124"/>
+                  <a:pt x="7441941" y="-17829"/>
+                  <a:pt x="7679154" y="0"/>
+                </a:cubicBezTo>
+                <a:cubicBezTo>
+                  <a:pt x="7916367" y="17829"/>
+                  <a:pt x="8102967" y="-24363"/>
+                  <a:pt x="8248985" y="0"/>
+                </a:cubicBezTo>
+                <a:cubicBezTo>
+                  <a:pt x="8395003" y="24363"/>
+                  <a:pt x="8552393" y="25505"/>
+                  <a:pt x="8818817" y="0"/>
+                </a:cubicBezTo>
+                <a:cubicBezTo>
+                  <a:pt x="9085241" y="-25505"/>
+                  <a:pt x="9411308" y="38000"/>
+                  <a:pt x="9605726" y="0"/>
+                </a:cubicBezTo>
+                <a:cubicBezTo>
+                  <a:pt x="9800144" y="-38000"/>
+                  <a:pt x="10006468" y="-25741"/>
+                  <a:pt x="10175558" y="0"/>
+                </a:cubicBezTo>
+                <a:cubicBezTo>
+                  <a:pt x="10344648" y="25741"/>
+                  <a:pt x="10696282" y="695"/>
+                  <a:pt x="10853928" y="0"/>
+                </a:cubicBezTo>
+                <a:cubicBezTo>
+                  <a:pt x="10853521" y="8690"/>
+                  <a:pt x="10853774" y="14141"/>
+                  <a:pt x="10853928" y="18288"/>
+                </a:cubicBezTo>
+                <a:cubicBezTo>
+                  <a:pt x="10608124" y="24255"/>
+                  <a:pt x="10343415" y="22307"/>
+                  <a:pt x="10067018" y="18288"/>
+                </a:cubicBezTo>
+                <a:cubicBezTo>
+                  <a:pt x="9790621" y="14270"/>
+                  <a:pt x="9843266" y="3564"/>
+                  <a:pt x="9714266" y="18288"/>
+                </a:cubicBezTo>
+                <a:cubicBezTo>
+                  <a:pt x="9585266" y="33012"/>
+                  <a:pt x="9379484" y="1875"/>
+                  <a:pt x="9252974" y="18288"/>
+                </a:cubicBezTo>
+                <a:cubicBezTo>
+                  <a:pt x="9126464" y="34701"/>
+                  <a:pt x="8580678" y="-4904"/>
+                  <a:pt x="8357525" y="18288"/>
+                </a:cubicBezTo>
+                <a:cubicBezTo>
+                  <a:pt x="8134372" y="41480"/>
+                  <a:pt x="7903199" y="26458"/>
+                  <a:pt x="7679154" y="18288"/>
+                </a:cubicBezTo>
+                <a:cubicBezTo>
+                  <a:pt x="7455109" y="10118"/>
+                  <a:pt x="7435944" y="27109"/>
+                  <a:pt x="7217862" y="18288"/>
+                </a:cubicBezTo>
+                <a:cubicBezTo>
+                  <a:pt x="6999780" y="9467"/>
+                  <a:pt x="6680409" y="18985"/>
+                  <a:pt x="6539492" y="18288"/>
+                </a:cubicBezTo>
+                <a:cubicBezTo>
+                  <a:pt x="6398575" y="17592"/>
+                  <a:pt x="6312077" y="33018"/>
+                  <a:pt x="6186739" y="18288"/>
+                </a:cubicBezTo>
+                <a:cubicBezTo>
+                  <a:pt x="6061401" y="3558"/>
+                  <a:pt x="5947033" y="12075"/>
+                  <a:pt x="5833986" y="18288"/>
+                </a:cubicBezTo>
+                <a:cubicBezTo>
+                  <a:pt x="5720939" y="24501"/>
+                  <a:pt x="5482226" y="8586"/>
+                  <a:pt x="5155616" y="18288"/>
+                </a:cubicBezTo>
+                <a:cubicBezTo>
+                  <a:pt x="4829006" y="27991"/>
+                  <a:pt x="4841274" y="29316"/>
+                  <a:pt x="4694324" y="18288"/>
+                </a:cubicBezTo>
+                <a:cubicBezTo>
+                  <a:pt x="4547374" y="7260"/>
+                  <a:pt x="4077675" y="7013"/>
+                  <a:pt x="3907414" y="18288"/>
+                </a:cubicBezTo>
+                <a:cubicBezTo>
+                  <a:pt x="3737153" y="29564"/>
+                  <a:pt x="3538393" y="21630"/>
+                  <a:pt x="3446122" y="18288"/>
+                </a:cubicBezTo>
+                <a:cubicBezTo>
+                  <a:pt x="3353851" y="14946"/>
+                  <a:pt x="2990320" y="-8091"/>
+                  <a:pt x="2659212" y="18288"/>
+                </a:cubicBezTo>
+                <a:cubicBezTo>
+                  <a:pt x="2328104" y="44667"/>
+                  <a:pt x="2427653" y="9607"/>
+                  <a:pt x="2306460" y="18288"/>
+                </a:cubicBezTo>
+                <a:cubicBezTo>
+                  <a:pt x="2185267" y="26969"/>
+                  <a:pt x="1719763" y="3717"/>
+                  <a:pt x="1519550" y="18288"/>
+                </a:cubicBezTo>
+                <a:cubicBezTo>
+                  <a:pt x="1319337" y="32860"/>
+                  <a:pt x="1167371" y="17040"/>
+                  <a:pt x="1058258" y="18288"/>
+                </a:cubicBezTo>
+                <a:cubicBezTo>
+                  <a:pt x="949145" y="19536"/>
+                  <a:pt x="780234" y="31447"/>
+                  <a:pt x="705505" y="18288"/>
+                </a:cubicBezTo>
+                <a:cubicBezTo>
+                  <a:pt x="630776" y="5129"/>
+                  <a:pt x="215796" y="30056"/>
+                  <a:pt x="0" y="18288"/>
+                </a:cubicBezTo>
+                <a:cubicBezTo>
+                  <a:pt x="-53" y="11301"/>
+                  <a:pt x="-649" y="7756"/>
+                  <a:pt x="0" y="0"/>
+                </a:cubicBezTo>
+                <a:close/>
+              </a:path>
+            </a:pathLst>
+          </a:custGeom>
+          <a:solidFill>
+            <a:schemeClr val="accent2"/>
+          </a:solidFill>
+          <a:ln w="41275" cap="rnd">
+            <a:solidFill>
+              <a:schemeClr val="accent2"/>
+            </a:solidFill>
+            <a:round/>
+            <a:extLst>
+              <a:ext uri="{C807C97D-BFC1-408E-A445-0C87EB9F89A2}">
+                <ask:lineSketchStyleProps xmlns:ask="http://schemas.microsoft.com/office/drawing/2018/sketchyshapes" sd="1219033472">
+                  <a:prstGeom prst="rect">
+                    <a:avLst/>
+                  </a:prstGeom>
+                  <ask:type>
+                    <ask:lineSketchFreehand/>
+                  </ask:type>
+                </ask:lineSketchStyleProps>
+              </a:ext>
+            </a:extLst>
+          </a:ln>
+        </p:spPr>
+        <p:style>
+          <a:lnRef idx="2">
+            <a:schemeClr val="accent1">
+              <a:shade val="50000"/>
+            </a:schemeClr>
+          </a:lnRef>
+          <a:fillRef idx="1">
+            <a:schemeClr val="accent1"/>
+          </a:fillRef>
+          <a:effectRef idx="0">
+            <a:schemeClr val="accent1"/>
+          </a:effectRef>
+          <a:fontRef idx="minor">
+            <a:schemeClr val="lt1"/>
+          </a:fontRef>
+        </p:style>
+        <p:txBody>
+          <a:bodyPr rtlCol="0" anchor="ctr"/>
+          <a:lstStyle/>
+          <a:p>
+            <a:pPr algn="ctr"/>
+            <a:endParaRPr lang="en-US"/>
           </a:p>
         </p:txBody>
       </p:sp>
@@ -8943,15 +9894,20 @@
             <p:ph idx="1"/>
           </p:nvPr>
         </p:nvSpPr>
-        <p:spPr/>
+        <p:spPr>
+          <a:xfrm>
+            <a:off x="838200" y="1929384"/>
+            <a:ext cx="10515600" cy="4251960"/>
+          </a:xfrm>
+        </p:spPr>
         <p:txBody>
           <a:bodyPr>
-            <a:normAutofit lnSpcReduction="10000"/>
+            <a:normAutofit/>
           </a:bodyPr>
           <a:lstStyle/>
           <a:p>
             <a:r>
-              <a:rPr lang="en-US" dirty="0"/>
+              <a:rPr lang="en-US" sz="2200"/>
               <a:t> We increased the number of features which had a positive effect on the R2 for linear regression: </a:t>
             </a:r>
           </a:p>
@@ -8959,95 +9915,27 @@
             <a:pPr marL="0" indent="0">
               <a:buNone/>
             </a:pPr>
-            <a:endParaRPr lang="en-US" dirty="0"/>
+            <a:endParaRPr lang="en-US" sz="2200"/>
           </a:p>
           <a:p>
             <a:r>
-              <a:rPr lang="en-US" dirty="0"/>
+              <a:rPr lang="en-US" sz="2200"/>
               <a:t>Features added: </a:t>
             </a:r>
             <a:r>
-              <a:rPr lang="en-CA" sz="1800" dirty="0" err="1"/>
-              <a:t>avg_taxi_times_arr</a:t>
-            </a:r>
-            <a:r>
-              <a:rPr lang="en-CA" sz="1800" dirty="0"/>
-              <a:t>',  '</a:t>
-            </a:r>
-            <a:r>
-              <a:rPr lang="en-CA" sz="1800" dirty="0" err="1"/>
-              <a:t>day_of_week</a:t>
-            </a:r>
-            <a:r>
-              <a:rPr lang="en-CA" sz="1800" dirty="0"/>
-              <a:t>', '</a:t>
-            </a:r>
-            <a:r>
-              <a:rPr lang="en-CA" sz="1800" dirty="0" err="1"/>
-              <a:t>avg_hourly_arr_delay</a:t>
-            </a:r>
-            <a:r>
-              <a:rPr lang="en-CA" sz="1800" dirty="0"/>
-              <a:t>', '</a:t>
-            </a:r>
-            <a:r>
-              <a:rPr lang="en-CA" sz="1800" dirty="0" err="1"/>
-              <a:t>avg_mktcarrier_arr_delay</a:t>
-            </a:r>
-            <a:r>
-              <a:rPr lang="en-CA" sz="1800" dirty="0"/>
-              <a:t>', '</a:t>
-            </a:r>
-            <a:r>
-              <a:rPr lang="en-CA" sz="1800" dirty="0" err="1"/>
-              <a:t>avg_airport_arr_delay</a:t>
-            </a:r>
-            <a:r>
-              <a:rPr lang="en-CA" sz="1800" dirty="0"/>
-              <a:t>', '</a:t>
-            </a:r>
-            <a:r>
-              <a:rPr lang="en-CA" sz="1800" dirty="0" err="1"/>
-              <a:t>avg_plane_arr_delay</a:t>
-            </a:r>
-            <a:r>
-              <a:rPr lang="en-CA" sz="1800" dirty="0"/>
-              <a:t>', '</a:t>
-            </a:r>
-            <a:r>
-              <a:rPr lang="en-CA" sz="1800" dirty="0" err="1"/>
-              <a:t>avg_destcity_arr_delay</a:t>
-            </a:r>
-            <a:r>
-              <a:rPr lang="en-CA" sz="1800" dirty="0"/>
-              <a:t>', '</a:t>
-            </a:r>
-            <a:r>
-              <a:rPr lang="en-CA" sz="1800" dirty="0" err="1"/>
-              <a:t>avg_state_arr_delay</a:t>
-            </a:r>
-            <a:r>
-              <a:rPr lang="en-CA" sz="1800" dirty="0"/>
-              <a:t>', '</a:t>
-            </a:r>
-            <a:r>
-              <a:rPr lang="en-CA" sz="1800" dirty="0" err="1"/>
-              <a:t>avg_dow_arr_delay</a:t>
-            </a:r>
-            <a:r>
-              <a:rPr lang="en-CA" sz="1800" dirty="0"/>
-              <a:t>’</a:t>
+              <a:rPr lang="en-CA" sz="2200"/>
+              <a:t>avg_taxi_times_arr',  'day_of_week', 'avg_hourly_arr_delay', 'avg_mktcarrier_arr_delay', 'avg_airport_arr_delay', 'avg_plane_arr_delay', 'avg_destcity_arr_delay', 'avg_state_arr_delay', 'avg_dow_arr_delay’</a:t>
             </a:r>
           </a:p>
           <a:p>
             <a:pPr marL="0" indent="0">
               <a:buNone/>
             </a:pPr>
-            <a:endParaRPr lang="en-CA" sz="1800" dirty="0"/>
+            <a:endParaRPr lang="en-CA" sz="2200"/>
           </a:p>
           <a:p>
             <a:r>
-              <a:rPr lang="en-CA" dirty="0"/>
+              <a:rPr lang="en-CA" sz="2200"/>
               <a:t>Created another model with significantly higher amount of categorical columns and did dimensionality reduction with PCA. </a:t>
             </a:r>
           </a:p>
@@ -9055,16 +9943,16 @@
             <a:pPr marL="0" indent="0">
               <a:buNone/>
             </a:pPr>
-            <a:endParaRPr lang="en-CA" sz="1800" dirty="0"/>
+            <a:endParaRPr lang="en-CA" sz="2200"/>
           </a:p>
           <a:p>
             <a:r>
-              <a:rPr lang="en-CA" dirty="0"/>
+              <a:rPr lang="en-CA" sz="2200"/>
               <a:t>However after running these models it was still relatively low.</a:t>
             </a:r>
           </a:p>
           <a:p>
-            <a:endParaRPr lang="en-US" sz="1800" dirty="0"/>
+            <a:endParaRPr lang="en-US" sz="2200"/>
           </a:p>
         </p:txBody>
       </p:sp>
@@ -9072,114 +9960,6 @@
     <p:extLst>
       <p:ext uri="{BB962C8B-B14F-4D97-AF65-F5344CB8AC3E}">
         <p14:creationId xmlns:p14="http://schemas.microsoft.com/office/powerpoint/2010/main" val="11462109"/>
-      </p:ext>
-    </p:extLst>
-  </p:cSld>
-  <p:clrMapOvr>
-    <a:masterClrMapping/>
-  </p:clrMapOvr>
-</p:sld>
-</file>
-
-<file path=ppt/slides/slide15.xml><?xml version="1.0" encoding="utf-8"?>
-<p:sld xmlns:a="http://schemas.openxmlformats.org/drawingml/2006/main" xmlns:r="http://schemas.openxmlformats.org/officeDocument/2006/relationships" xmlns:p="http://schemas.openxmlformats.org/presentationml/2006/main">
-  <p:cSld>
-    <p:spTree>
-      <p:nvGrpSpPr>
-        <p:cNvPr id="1" name=""/>
-        <p:cNvGrpSpPr/>
-        <p:nvPr/>
-      </p:nvGrpSpPr>
-      <p:grpSpPr>
-        <a:xfrm>
-          <a:off x="0" y="0"/>
-          <a:ext cx="0" cy="0"/>
-          <a:chOff x="0" y="0"/>
-          <a:chExt cx="0" cy="0"/>
-        </a:xfrm>
-      </p:grpSpPr>
-      <p:sp>
-        <p:nvSpPr>
-          <p:cNvPr id="2" name="Title 1">
-            <a:extLst>
-              <a:ext uri="{FF2B5EF4-FFF2-40B4-BE49-F238E27FC236}">
-                <a16:creationId xmlns:a16="http://schemas.microsoft.com/office/drawing/2014/main" id="{56DB475A-090E-18C4-C82F-BFA7A39E4125}"/>
-              </a:ext>
-            </a:extLst>
-          </p:cNvPr>
-          <p:cNvSpPr>
-            <a:spLocks noGrp="1"/>
-          </p:cNvSpPr>
-          <p:nvPr>
-            <p:ph type="title"/>
-          </p:nvPr>
-        </p:nvSpPr>
-        <p:spPr/>
-        <p:txBody>
-          <a:bodyPr/>
-          <a:lstStyle/>
-          <a:p>
-            <a:r>
-              <a:rPr lang="en-US" dirty="0"/>
-              <a:t>Final Model </a:t>
-            </a:r>
-          </a:p>
-        </p:txBody>
-      </p:sp>
-      <p:sp>
-        <p:nvSpPr>
-          <p:cNvPr id="3" name="Content Placeholder 2">
-            <a:extLst>
-              <a:ext uri="{FF2B5EF4-FFF2-40B4-BE49-F238E27FC236}">
-                <a16:creationId xmlns:a16="http://schemas.microsoft.com/office/drawing/2014/main" id="{5291D14F-C243-A5FA-7B59-9F4D3EEA846B}"/>
-              </a:ext>
-            </a:extLst>
-          </p:cNvPr>
-          <p:cNvSpPr>
-            <a:spLocks noGrp="1"/>
-          </p:cNvSpPr>
-          <p:nvPr>
-            <p:ph idx="1"/>
-          </p:nvPr>
-        </p:nvSpPr>
-        <p:spPr/>
-        <p:txBody>
-          <a:bodyPr/>
-          <a:lstStyle/>
-          <a:p>
-            <a:r>
-              <a:rPr lang="en-US" dirty="0"/>
-              <a:t>We decided that we could better predict our models if we categorized arrival delay into sections of: no delay, 5 minute, 15 minute, 30 minute+ </a:t>
-            </a:r>
-            <a:br>
-              <a:rPr lang="en-US" dirty="0"/>
-            </a:br>
-            <a:endParaRPr lang="en-US" dirty="0"/>
-          </a:p>
-          <a:p>
-            <a:r>
-              <a:rPr lang="en-US" dirty="0"/>
-              <a:t>We used a blended ensemble model using a voting strategy with base models of: Random Forest Classifier,  Logistic Regression, and Gaussian Naïve bayes.</a:t>
-            </a:r>
-          </a:p>
-          <a:p>
-            <a:endParaRPr lang="en-US" dirty="0"/>
-          </a:p>
-          <a:p>
-            <a:r>
-              <a:rPr lang="en-US" dirty="0"/>
-              <a:t>The accuracy of this model was .72%</a:t>
-            </a:r>
-          </a:p>
-          <a:p>
-            <a:endParaRPr lang="en-US" dirty="0"/>
-          </a:p>
-        </p:txBody>
-      </p:sp>
-    </p:spTree>
-    <p:extLst>
-      <p:ext uri="{BB962C8B-B14F-4D97-AF65-F5344CB8AC3E}">
-        <p14:creationId xmlns:p14="http://schemas.microsoft.com/office/powerpoint/2010/main" val="2521875556"/>
       </p:ext>
     </p:extLst>
   </p:cSld>
@@ -9216,10 +9996,1061 @@
       </p:grpSpPr>
       <p:sp useBgFill="1">
         <p:nvSpPr>
-          <p:cNvPr id="12" name="Rectangle 11">
-            <a:extLst>
-              <a:ext uri="{FF2B5EF4-FFF2-40B4-BE49-F238E27FC236}">
-                <a16:creationId xmlns:a16="http://schemas.microsoft.com/office/drawing/2014/main" id="{0288C6B4-AFC3-407F-A595-EFFD38D4CCAF}"/>
+          <p:cNvPr id="13" name="Rectangle 8">
+            <a:extLst>
+              <a:ext uri="{FF2B5EF4-FFF2-40B4-BE49-F238E27FC236}">
+                <a16:creationId xmlns:a16="http://schemas.microsoft.com/office/drawing/2014/main" id="{D009D6D5-DAC2-4A8B-A17A-E206B9012D09}"/>
+              </a:ext>
+              <a:ext uri="{C183D7F6-B498-43B3-948B-1728B52AA6E4}">
+                <adec:decorative xmlns:adec="http://schemas.microsoft.com/office/drawing/2017/decorative" val="1"/>
+              </a:ext>
+            </a:extLst>
+          </p:cNvPr>
+          <p:cNvSpPr>
+            <a:spLocks noGrp="1" noRot="1" noChangeAspect="1" noMove="1" noResize="1" noEditPoints="1" noAdjustHandles="1" noChangeArrowheads="1" noChangeShapeType="1" noTextEdit="1"/>
+          </p:cNvSpPr>
+          <p:nvPr>
+            <p:extLst>
+              <p:ext uri="{386F3935-93C4-4BCD-93E2-E3B085C9AB24}">
+                <p16:designElem xmlns:p16="http://schemas.microsoft.com/office/powerpoint/2015/main" val="1"/>
+              </p:ext>
+            </p:extLst>
+          </p:nvPr>
+        </p:nvSpPr>
+        <p:spPr>
+          <a:xfrm>
+            <a:off x="0" y="0"/>
+            <a:ext cx="12188952" cy="6858000"/>
+          </a:xfrm>
+          <a:prstGeom prst="rect">
+            <a:avLst/>
+          </a:prstGeom>
+          <a:ln>
+            <a:noFill/>
+          </a:ln>
+        </p:spPr>
+        <p:style>
+          <a:lnRef idx="2">
+            <a:schemeClr val="accent1">
+              <a:shade val="50000"/>
+            </a:schemeClr>
+          </a:lnRef>
+          <a:fillRef idx="1">
+            <a:schemeClr val="accent1"/>
+          </a:fillRef>
+          <a:effectRef idx="0">
+            <a:schemeClr val="accent1"/>
+          </a:effectRef>
+          <a:fontRef idx="minor">
+            <a:schemeClr val="lt1"/>
+          </a:fontRef>
+        </p:style>
+        <p:txBody>
+          <a:bodyPr rtlCol="0" anchor="ctr"/>
+          <a:lstStyle/>
+          <a:p>
+            <a:pPr algn="ctr"/>
+            <a:endParaRPr lang="en-US"/>
+          </a:p>
+        </p:txBody>
+      </p:sp>
+      <p:sp>
+        <p:nvSpPr>
+          <p:cNvPr id="2" name="Title 1">
+            <a:extLst>
+              <a:ext uri="{FF2B5EF4-FFF2-40B4-BE49-F238E27FC236}">
+                <a16:creationId xmlns:a16="http://schemas.microsoft.com/office/drawing/2014/main" id="{56DB475A-090E-18C4-C82F-BFA7A39E4125}"/>
+              </a:ext>
+            </a:extLst>
+          </p:cNvPr>
+          <p:cNvSpPr>
+            <a:spLocks noGrp="1"/>
+          </p:cNvSpPr>
+          <p:nvPr>
+            <p:ph type="title"/>
+          </p:nvPr>
+        </p:nvSpPr>
+        <p:spPr>
+          <a:xfrm>
+            <a:off x="838201" y="365125"/>
+            <a:ext cx="5251316" cy="1807305"/>
+          </a:xfrm>
+        </p:spPr>
+        <p:txBody>
+          <a:bodyPr>
+            <a:normAutofit/>
+          </a:bodyPr>
+          <a:lstStyle/>
+          <a:p>
+            <a:r>
+              <a:rPr lang="en-US"/>
+              <a:t>Final Model </a:t>
+            </a:r>
+            <a:endParaRPr lang="en-US" dirty="0"/>
+          </a:p>
+        </p:txBody>
+      </p:sp>
+      <p:sp>
+        <p:nvSpPr>
+          <p:cNvPr id="3" name="Content Placeholder 2">
+            <a:extLst>
+              <a:ext uri="{FF2B5EF4-FFF2-40B4-BE49-F238E27FC236}">
+                <a16:creationId xmlns:a16="http://schemas.microsoft.com/office/drawing/2014/main" id="{5291D14F-C243-A5FA-7B59-9F4D3EEA846B}"/>
+              </a:ext>
+            </a:extLst>
+          </p:cNvPr>
+          <p:cNvSpPr>
+            <a:spLocks noGrp="1"/>
+          </p:cNvSpPr>
+          <p:nvPr>
+            <p:ph idx="1"/>
+          </p:nvPr>
+        </p:nvSpPr>
+        <p:spPr>
+          <a:xfrm>
+            <a:off x="838200" y="2333297"/>
+            <a:ext cx="4619621" cy="3843666"/>
+          </a:xfrm>
+        </p:spPr>
+        <p:txBody>
+          <a:bodyPr>
+            <a:normAutofit/>
+          </a:bodyPr>
+          <a:lstStyle/>
+          <a:p>
+            <a:r>
+              <a:rPr lang="en-US" sz="2000"/>
+              <a:t>We decided that we could better predict our models if we categorized arrival delay into sections of: no delay, 5 minute, 15 minute, 30 minute+ </a:t>
+            </a:r>
+            <a:br>
+              <a:rPr lang="en-US" sz="2000"/>
+            </a:br>
+            <a:endParaRPr lang="en-US" sz="2000"/>
+          </a:p>
+          <a:p>
+            <a:r>
+              <a:rPr lang="en-US" sz="2000"/>
+              <a:t>We used a blended ensemble model using a voting strategy with base models of: Random Forest Classifier,  Logistic Regression, and Gaussian Naïve bayes.</a:t>
+            </a:r>
+          </a:p>
+          <a:p>
+            <a:endParaRPr lang="en-US" sz="2000"/>
+          </a:p>
+          <a:p>
+            <a:r>
+              <a:rPr lang="en-US" sz="2000"/>
+              <a:t>The accuracy of this model was .72%</a:t>
+            </a:r>
+          </a:p>
+          <a:p>
+            <a:endParaRPr lang="en-US" sz="2000"/>
+          </a:p>
+        </p:txBody>
+      </p:sp>
+      <p:pic>
+        <p:nvPicPr>
+          <p:cNvPr id="14" name="Picture 4" descr="White puzzle with one red piece">
+            <a:extLst>
+              <a:ext uri="{FF2B5EF4-FFF2-40B4-BE49-F238E27FC236}">
+                <a16:creationId xmlns:a16="http://schemas.microsoft.com/office/drawing/2014/main" id="{14E1FB16-D696-D696-B1F0-A712D091E0A2}"/>
+              </a:ext>
+            </a:extLst>
+          </p:cNvPr>
+          <p:cNvPicPr>
+            <a:picLocks noChangeAspect="1"/>
+          </p:cNvPicPr>
+          <p:nvPr/>
+        </p:nvPicPr>
+        <p:blipFill rotWithShape="1">
+          <a:blip r:embed="rId2"/>
+          <a:srcRect l="26348" r="24744"/>
+          <a:stretch/>
+        </p:blipFill>
+        <p:spPr>
+          <a:xfrm>
+            <a:off x="6229215" y="10"/>
+            <a:ext cx="5962785" cy="6857990"/>
+          </a:xfrm>
+          <a:custGeom>
+            <a:avLst/>
+            <a:gdLst/>
+            <a:ahLst/>
+            <a:cxnLst/>
+            <a:rect l="l" t="t" r="r" b="b"/>
+            <a:pathLst>
+              <a:path w="5962785" h="6858000">
+                <a:moveTo>
+                  <a:pt x="1044839" y="0"/>
+                </a:moveTo>
+                <a:lnTo>
+                  <a:pt x="5962785" y="0"/>
+                </a:lnTo>
+                <a:lnTo>
+                  <a:pt x="5962785" y="6858000"/>
+                </a:lnTo>
+                <a:lnTo>
+                  <a:pt x="1469886" y="6858000"/>
+                </a:lnTo>
+                <a:lnTo>
+                  <a:pt x="1416006" y="6823984"/>
+                </a:lnTo>
+                <a:cubicBezTo>
+                  <a:pt x="1356767" y="6787940"/>
+                  <a:pt x="1296437" y="6755500"/>
+                  <a:pt x="1232473" y="6733873"/>
+                </a:cubicBezTo>
+                <a:cubicBezTo>
+                  <a:pt x="1145250" y="6705037"/>
+                  <a:pt x="1060933" y="6654575"/>
+                  <a:pt x="1075471" y="6503186"/>
+                </a:cubicBezTo>
+                <a:cubicBezTo>
+                  <a:pt x="1078378" y="6459932"/>
+                  <a:pt x="1055118" y="6427493"/>
+                  <a:pt x="1020229" y="6438306"/>
+                </a:cubicBezTo>
+                <a:cubicBezTo>
+                  <a:pt x="953358" y="6459932"/>
+                  <a:pt x="921375" y="6398656"/>
+                  <a:pt x="883579" y="6351798"/>
+                </a:cubicBezTo>
+                <a:cubicBezTo>
+                  <a:pt x="816707" y="6268895"/>
+                  <a:pt x="752743" y="6182387"/>
+                  <a:pt x="645167" y="6167969"/>
+                </a:cubicBezTo>
+                <a:cubicBezTo>
+                  <a:pt x="665519" y="6103088"/>
+                  <a:pt x="700408" y="6110298"/>
+                  <a:pt x="732391" y="6124716"/>
+                </a:cubicBezTo>
+                <a:cubicBezTo>
+                  <a:pt x="816707" y="6160761"/>
+                  <a:pt x="901023" y="6200410"/>
+                  <a:pt x="985339" y="6236455"/>
+                </a:cubicBezTo>
+                <a:cubicBezTo>
+                  <a:pt x="1040581" y="6258081"/>
+                  <a:pt x="1095822" y="6290522"/>
+                  <a:pt x="1168509" y="6265291"/>
+                </a:cubicBezTo>
+                <a:cubicBezTo>
+                  <a:pt x="1104545" y="6135530"/>
+                  <a:pt x="996969" y="6110298"/>
+                  <a:pt x="909746" y="6070649"/>
+                </a:cubicBezTo>
+                <a:cubicBezTo>
+                  <a:pt x="802169" y="6020185"/>
+                  <a:pt x="738206" y="5926470"/>
+                  <a:pt x="659704" y="5818335"/>
+                </a:cubicBezTo>
+                <a:cubicBezTo>
+                  <a:pt x="738206" y="5789500"/>
+                  <a:pt x="787632" y="5868798"/>
+                  <a:pt x="851597" y="5865193"/>
+                </a:cubicBezTo>
+                <a:cubicBezTo>
+                  <a:pt x="854504" y="5854380"/>
+                  <a:pt x="860319" y="5832753"/>
+                  <a:pt x="860319" y="5832753"/>
+                </a:cubicBezTo>
+                <a:cubicBezTo>
+                  <a:pt x="755650" y="5775081"/>
+                  <a:pt x="709132" y="5666947"/>
+                  <a:pt x="691686" y="5533581"/>
+                </a:cubicBezTo>
+                <a:cubicBezTo>
+                  <a:pt x="685872" y="5465095"/>
+                  <a:pt x="648075" y="5443468"/>
+                  <a:pt x="610278" y="5411029"/>
+                </a:cubicBezTo>
+                <a:cubicBezTo>
+                  <a:pt x="482350" y="5299289"/>
+                  <a:pt x="345700" y="5198364"/>
+                  <a:pt x="238123" y="5046976"/>
+                </a:cubicBezTo>
+                <a:cubicBezTo>
+                  <a:pt x="363144" y="5064998"/>
+                  <a:pt x="461997" y="5165924"/>
+                  <a:pt x="592833" y="5209177"/>
+                </a:cubicBezTo>
+                <a:cubicBezTo>
+                  <a:pt x="488165" y="5043371"/>
+                  <a:pt x="351514" y="4956864"/>
+                  <a:pt x="226494" y="4855939"/>
+                </a:cubicBezTo>
+                <a:cubicBezTo>
+                  <a:pt x="168344" y="4809081"/>
+                  <a:pt x="116011" y="4751408"/>
+                  <a:pt x="49139" y="4726177"/>
+                </a:cubicBezTo>
+                <a:cubicBezTo>
+                  <a:pt x="25879" y="4718968"/>
+                  <a:pt x="-14825" y="4700947"/>
+                  <a:pt x="5527" y="4650483"/>
+                </a:cubicBezTo>
+                <a:cubicBezTo>
+                  <a:pt x="22972" y="4607230"/>
+                  <a:pt x="54954" y="4621648"/>
+                  <a:pt x="84029" y="4632460"/>
+                </a:cubicBezTo>
+                <a:cubicBezTo>
+                  <a:pt x="153807" y="4661296"/>
+                  <a:pt x="229401" y="4661296"/>
+                  <a:pt x="325347" y="4661296"/>
+                </a:cubicBezTo>
+                <a:cubicBezTo>
+                  <a:pt x="243939" y="4524326"/>
+                  <a:pt x="95658" y="4567580"/>
+                  <a:pt x="25879" y="4423401"/>
+                </a:cubicBezTo>
+                <a:cubicBezTo>
+                  <a:pt x="113103" y="4398170"/>
+                  <a:pt x="179975" y="4448632"/>
+                  <a:pt x="249753" y="4459446"/>
+                </a:cubicBezTo>
+                <a:cubicBezTo>
+                  <a:pt x="313718" y="4470259"/>
+                  <a:pt x="328254" y="4445028"/>
+                  <a:pt x="313718" y="4365729"/>
+                </a:cubicBezTo>
+                <a:cubicBezTo>
+                  <a:pt x="290458" y="4243177"/>
+                  <a:pt x="325347" y="4181900"/>
+                  <a:pt x="418386" y="4214341"/>
+                </a:cubicBezTo>
+                <a:cubicBezTo>
+                  <a:pt x="505609" y="4246781"/>
+                  <a:pt x="514332" y="4199922"/>
+                  <a:pt x="491072" y="4131438"/>
+                </a:cubicBezTo>
+                <a:cubicBezTo>
+                  <a:pt x="456183" y="4030512"/>
+                  <a:pt x="493979" y="3951214"/>
+                  <a:pt x="520147" y="3864706"/>
+                </a:cubicBezTo>
+                <a:cubicBezTo>
+                  <a:pt x="560851" y="3734945"/>
+                  <a:pt x="543407" y="3670064"/>
+                  <a:pt x="459090" y="3572743"/>
+                </a:cubicBezTo>
+                <a:cubicBezTo>
+                  <a:pt x="409664" y="3518676"/>
+                  <a:pt x="360236" y="3471818"/>
+                  <a:pt x="290458" y="3424959"/>
+                </a:cubicBezTo>
+                <a:cubicBezTo>
+                  <a:pt x="450368" y="3399728"/>
+                  <a:pt x="284643" y="3313221"/>
+                  <a:pt x="339884" y="3259153"/>
+                </a:cubicBezTo>
+                <a:cubicBezTo>
+                  <a:pt x="453275" y="3237527"/>
+                  <a:pt x="543407" y="3410542"/>
+                  <a:pt x="697501" y="3360078"/>
+                </a:cubicBezTo>
+                <a:cubicBezTo>
+                  <a:pt x="511425" y="3212294"/>
+                  <a:pt x="302087" y="3165436"/>
+                  <a:pt x="165437" y="2967190"/>
+                </a:cubicBezTo>
+                <a:cubicBezTo>
+                  <a:pt x="197419" y="2923937"/>
+                  <a:pt x="229401" y="2967190"/>
+                  <a:pt x="255568" y="2949167"/>
+                </a:cubicBezTo>
+                <a:cubicBezTo>
+                  <a:pt x="255568" y="2938354"/>
+                  <a:pt x="560851" y="3006840"/>
+                  <a:pt x="578296" y="2725691"/>
+                </a:cubicBezTo>
+                <a:cubicBezTo>
+                  <a:pt x="584111" y="2725691"/>
+                  <a:pt x="589926" y="2725691"/>
+                  <a:pt x="595740" y="2714876"/>
+                </a:cubicBezTo>
+                <a:cubicBezTo>
+                  <a:pt x="627722" y="2675228"/>
+                  <a:pt x="598648" y="2581510"/>
+                  <a:pt x="650982" y="2574301"/>
+                </a:cubicBezTo>
+                <a:cubicBezTo>
+                  <a:pt x="709132" y="2567092"/>
+                  <a:pt x="764373" y="2534653"/>
+                  <a:pt x="825429" y="2552674"/>
+                </a:cubicBezTo>
+                <a:cubicBezTo>
+                  <a:pt x="871949" y="2567092"/>
+                  <a:pt x="921375" y="2585115"/>
+                  <a:pt x="970802" y="2585115"/>
+                </a:cubicBezTo>
+                <a:cubicBezTo>
+                  <a:pt x="1023136" y="2585115"/>
+                  <a:pt x="1095822" y="2707668"/>
+                  <a:pt x="1127805" y="2545465"/>
+                </a:cubicBezTo>
+                <a:cubicBezTo>
+                  <a:pt x="1127805" y="2538257"/>
+                  <a:pt x="1217936" y="2556280"/>
+                  <a:pt x="1267362" y="2563488"/>
+                </a:cubicBezTo>
+                <a:cubicBezTo>
+                  <a:pt x="1308067" y="2570698"/>
+                  <a:pt x="1357494" y="2603137"/>
+                  <a:pt x="1386568" y="2538257"/>
+                </a:cubicBezTo>
+                <a:cubicBezTo>
+                  <a:pt x="1401105" y="2498607"/>
+                  <a:pt x="1331326" y="2426518"/>
+                  <a:pt x="1270270" y="2419309"/>
+                </a:cubicBezTo>
+                <a:cubicBezTo>
+                  <a:pt x="1215029" y="2412101"/>
+                  <a:pt x="1159787" y="2404892"/>
+                  <a:pt x="1107453" y="2419309"/>
+                </a:cubicBezTo>
+                <a:cubicBezTo>
+                  <a:pt x="1043489" y="2437331"/>
+                  <a:pt x="1008599" y="2408495"/>
+                  <a:pt x="991154" y="2343615"/>
+                </a:cubicBezTo>
+                <a:cubicBezTo>
+                  <a:pt x="970802" y="2275131"/>
+                  <a:pt x="933005" y="2239085"/>
+                  <a:pt x="880671" y="2206645"/>
+                </a:cubicBezTo>
+                <a:cubicBezTo>
+                  <a:pt x="752743" y="2127346"/>
+                  <a:pt x="630630" y="2033629"/>
+                  <a:pt x="491072" y="1986771"/>
+                </a:cubicBezTo>
+                <a:cubicBezTo>
+                  <a:pt x="464905" y="1979562"/>
+                  <a:pt x="432923" y="1965145"/>
+                  <a:pt x="421293" y="1903868"/>
+                </a:cubicBezTo>
+                <a:cubicBezTo>
+                  <a:pt x="799262" y="1997584"/>
+                  <a:pt x="1142342" y="2239085"/>
+                  <a:pt x="1531941" y="2224667"/>
+                </a:cubicBezTo>
+                <a:cubicBezTo>
+                  <a:pt x="1427272" y="2148974"/>
+                  <a:pt x="1302252" y="2145369"/>
+                  <a:pt x="1188861" y="2091301"/>
+                </a:cubicBezTo>
+                <a:cubicBezTo>
+                  <a:pt x="1270270" y="2051652"/>
+                  <a:pt x="1345864" y="2094906"/>
+                  <a:pt x="1421458" y="2116532"/>
+                </a:cubicBezTo>
+                <a:cubicBezTo>
+                  <a:pt x="1485422" y="2134554"/>
+                  <a:pt x="1543571" y="2138160"/>
+                  <a:pt x="1549386" y="2026420"/>
+                </a:cubicBezTo>
+                <a:cubicBezTo>
+                  <a:pt x="1549386" y="2015607"/>
+                  <a:pt x="1549386" y="2008398"/>
+                  <a:pt x="1549386" y="1997584"/>
+                </a:cubicBezTo>
+                <a:cubicBezTo>
+                  <a:pt x="1526126" y="1950727"/>
+                  <a:pt x="1494144" y="1929099"/>
+                  <a:pt x="1453440" y="1914682"/>
+                </a:cubicBezTo>
+                <a:cubicBezTo>
+                  <a:pt x="1430180" y="1907473"/>
+                  <a:pt x="1398198" y="1893056"/>
+                  <a:pt x="1398198" y="1860614"/>
+                </a:cubicBezTo>
+                <a:cubicBezTo>
+                  <a:pt x="1401105" y="1738063"/>
+                  <a:pt x="1322604" y="1702018"/>
+                  <a:pt x="1247011" y="1665972"/>
+                </a:cubicBezTo>
+                <a:cubicBezTo>
+                  <a:pt x="1287715" y="1604696"/>
+                  <a:pt x="1322604" y="1647950"/>
+                  <a:pt x="1354586" y="1644345"/>
+                </a:cubicBezTo>
+                <a:cubicBezTo>
+                  <a:pt x="1374939" y="1640741"/>
+                  <a:pt x="1395290" y="1637138"/>
+                  <a:pt x="1395290" y="1604696"/>
+                </a:cubicBezTo>
+                <a:cubicBezTo>
+                  <a:pt x="1395290" y="1579465"/>
+                  <a:pt x="1386568" y="1547025"/>
+                  <a:pt x="1366216" y="1547025"/>
+                </a:cubicBezTo>
+                <a:cubicBezTo>
+                  <a:pt x="1238288" y="1543420"/>
+                  <a:pt x="1165601" y="1370405"/>
+                  <a:pt x="1031858" y="1370405"/>
+                </a:cubicBezTo>
+                <a:cubicBezTo>
+                  <a:pt x="950450" y="1370405"/>
+                  <a:pt x="1072563" y="1273083"/>
+                  <a:pt x="1005692" y="1233435"/>
+                </a:cubicBezTo>
+                <a:cubicBezTo>
+                  <a:pt x="991154" y="1222621"/>
+                  <a:pt x="1046396" y="1208203"/>
+                  <a:pt x="1069655" y="1211808"/>
+                </a:cubicBezTo>
+                <a:cubicBezTo>
+                  <a:pt x="1092915" y="1215412"/>
+                  <a:pt x="1113268" y="1240644"/>
+                  <a:pt x="1142342" y="1222621"/>
+                </a:cubicBezTo>
+                <a:cubicBezTo>
+                  <a:pt x="1156879" y="1157741"/>
+                  <a:pt x="1119082" y="1132510"/>
+                  <a:pt x="1084193" y="1114487"/>
+                </a:cubicBezTo>
+                <a:cubicBezTo>
+                  <a:pt x="1008599" y="1071234"/>
+                  <a:pt x="933005" y="1020771"/>
+                  <a:pt x="848689" y="1006353"/>
+                </a:cubicBezTo>
+                <a:cubicBezTo>
+                  <a:pt x="819615" y="1002748"/>
+                  <a:pt x="802169" y="984726"/>
+                  <a:pt x="805077" y="948681"/>
+                </a:cubicBezTo>
+                <a:cubicBezTo>
+                  <a:pt x="810892" y="901822"/>
+                  <a:pt x="839967" y="916240"/>
+                  <a:pt x="863226" y="919844"/>
+                </a:cubicBezTo>
+                <a:cubicBezTo>
+                  <a:pt x="877764" y="923450"/>
+                  <a:pt x="892301" y="934263"/>
+                  <a:pt x="906838" y="909031"/>
+                </a:cubicBezTo>
+                <a:cubicBezTo>
+                  <a:pt x="566666" y="653113"/>
+                  <a:pt x="386404" y="667532"/>
+                  <a:pt x="5527" y="458471"/>
+                </a:cubicBezTo>
+                <a:cubicBezTo>
+                  <a:pt x="89843" y="418822"/>
+                  <a:pt x="150900" y="447658"/>
+                  <a:pt x="209049" y="454867"/>
+                </a:cubicBezTo>
+                <a:cubicBezTo>
+                  <a:pt x="354422" y="472890"/>
+                  <a:pt x="264290" y="505329"/>
+                  <a:pt x="409664" y="526956"/>
+                </a:cubicBezTo>
+                <a:cubicBezTo>
+                  <a:pt x="479443" y="537770"/>
+                  <a:pt x="543407" y="573815"/>
+                  <a:pt x="621908" y="516143"/>
+                </a:cubicBezTo>
+                <a:cubicBezTo>
+                  <a:pt x="674242" y="476494"/>
+                  <a:pt x="758558" y="519747"/>
+                  <a:pt x="822522" y="552188"/>
+                </a:cubicBezTo>
+                <a:cubicBezTo>
+                  <a:pt x="874856" y="581024"/>
+                  <a:pt x="927190" y="588232"/>
+                  <a:pt x="996969" y="552188"/>
+                </a:cubicBezTo>
+                <a:cubicBezTo>
+                  <a:pt x="933005" y="530562"/>
+                  <a:pt x="883579" y="512539"/>
+                  <a:pt x="834151" y="498120"/>
+                </a:cubicBezTo>
+                <a:cubicBezTo>
+                  <a:pt x="793447" y="487307"/>
+                  <a:pt x="770187" y="462076"/>
+                  <a:pt x="773095" y="408008"/>
+                </a:cubicBezTo>
+                <a:cubicBezTo>
+                  <a:pt x="773095" y="379172"/>
+                  <a:pt x="764373" y="339523"/>
+                  <a:pt x="793447" y="325106"/>
+                </a:cubicBezTo>
+                <a:cubicBezTo>
+                  <a:pt x="816707" y="310688"/>
+                  <a:pt x="848689" y="325106"/>
+                  <a:pt x="860319" y="350336"/>
+                </a:cubicBezTo>
+                <a:cubicBezTo>
+                  <a:pt x="874856" y="397195"/>
+                  <a:pt x="889393" y="440449"/>
+                  <a:pt x="938820" y="444054"/>
+                </a:cubicBezTo>
+                <a:cubicBezTo>
+                  <a:pt x="1005692" y="451262"/>
+                  <a:pt x="967894" y="422426"/>
+                  <a:pt x="956265" y="386381"/>
+                </a:cubicBezTo>
+                <a:cubicBezTo>
+                  <a:pt x="944635" y="346733"/>
+                  <a:pt x="979525" y="335919"/>
+                  <a:pt x="1002784" y="343127"/>
+                </a:cubicBezTo>
+                <a:cubicBezTo>
+                  <a:pt x="1090008" y="375569"/>
+                  <a:pt x="1180139" y="317897"/>
+                  <a:pt x="1270270" y="364755"/>
+                </a:cubicBezTo>
+                <a:cubicBezTo>
+                  <a:pt x="1247011" y="249411"/>
+                  <a:pt x="1197583" y="198949"/>
+                  <a:pt x="1092915" y="180926"/>
+                </a:cubicBezTo>
+                <a:cubicBezTo>
+                  <a:pt x="1055118" y="177322"/>
+                  <a:pt x="1014414" y="184530"/>
+                  <a:pt x="979525" y="152090"/>
+                </a:cubicBezTo>
+                <a:cubicBezTo>
+                  <a:pt x="959172" y="134068"/>
+                  <a:pt x="938820" y="112441"/>
+                  <a:pt x="953358" y="76396"/>
+                </a:cubicBezTo>
+                <a:cubicBezTo>
+                  <a:pt x="962080" y="51165"/>
+                  <a:pt x="985339" y="51165"/>
+                  <a:pt x="1005692" y="58373"/>
+                </a:cubicBezTo>
+                <a:cubicBezTo>
+                  <a:pt x="1090008" y="98023"/>
+                  <a:pt x="1180139" y="108837"/>
+                  <a:pt x="1267362" y="123254"/>
+                </a:cubicBezTo>
+                <a:cubicBezTo>
+                  <a:pt x="1281900" y="126859"/>
+                  <a:pt x="1296437" y="134068"/>
+                  <a:pt x="1310975" y="98023"/>
+                </a:cubicBezTo>
+                <a:cubicBezTo>
+                  <a:pt x="1260095" y="81803"/>
+                  <a:pt x="1209941" y="62879"/>
+                  <a:pt x="1159787" y="43505"/>
+                </a:cubicBezTo>
+                <a:close/>
+              </a:path>
+            </a:pathLst>
+          </a:custGeom>
+        </p:spPr>
+      </p:pic>
+    </p:spTree>
+    <p:extLst>
+      <p:ext uri="{BB962C8B-B14F-4D97-AF65-F5344CB8AC3E}">
+        <p14:creationId xmlns:p14="http://schemas.microsoft.com/office/powerpoint/2010/main" val="2521875556"/>
+      </p:ext>
+    </p:extLst>
+  </p:cSld>
+  <p:clrMapOvr>
+    <a:masterClrMapping/>
+  </p:clrMapOvr>
+</p:sld>
+</file>
+
+<file path=ppt/slides/slide17.xml><?xml version="1.0" encoding="utf-8"?>
+<p:sld xmlns:a="http://schemas.openxmlformats.org/drawingml/2006/main" xmlns:r="http://schemas.openxmlformats.org/officeDocument/2006/relationships" xmlns:p="http://schemas.openxmlformats.org/presentationml/2006/main">
+  <p:cSld>
+    <p:bg>
+      <p:bgPr>
+        <a:solidFill>
+          <a:schemeClr val="bg1"/>
+        </a:solidFill>
+        <a:effectLst/>
+      </p:bgPr>
+    </p:bg>
+    <p:spTree>
+      <p:nvGrpSpPr>
+        <p:cNvPr id="1" name=""/>
+        <p:cNvGrpSpPr/>
+        <p:nvPr/>
+      </p:nvGrpSpPr>
+      <p:grpSpPr>
+        <a:xfrm>
+          <a:off x="0" y="0"/>
+          <a:ext cx="0" cy="0"/>
+          <a:chOff x="0" y="0"/>
+          <a:chExt cx="0" cy="0"/>
+        </a:xfrm>
+      </p:grpSpPr>
+      <p:sp useBgFill="1">
+        <p:nvSpPr>
+          <p:cNvPr id="25" name="Rectangle 24">
+            <a:extLst>
+              <a:ext uri="{FF2B5EF4-FFF2-40B4-BE49-F238E27FC236}">
+                <a16:creationId xmlns:a16="http://schemas.microsoft.com/office/drawing/2014/main" id="{3AFE8227-C443-417B-BA91-520EB1EF4559}"/>
+              </a:ext>
+              <a:ext uri="{C183D7F6-B498-43B3-948B-1728B52AA6E4}">
+                <adec:decorative xmlns:adec="http://schemas.microsoft.com/office/drawing/2017/decorative" val="1"/>
+              </a:ext>
+            </a:extLst>
+          </p:cNvPr>
+          <p:cNvSpPr>
+            <a:spLocks noGrp="1" noRot="1" noChangeAspect="1" noMove="1" noResize="1" noEditPoints="1" noAdjustHandles="1" noChangeArrowheads="1" noChangeShapeType="1" noTextEdit="1"/>
+          </p:cNvSpPr>
+          <p:nvPr>
+            <p:extLst>
+              <p:ext uri="{386F3935-93C4-4BCD-93E2-E3B085C9AB24}">
+                <p16:designElem xmlns:p16="http://schemas.microsoft.com/office/powerpoint/2015/main" val="1"/>
+              </p:ext>
+            </p:extLst>
+          </p:nvPr>
+        </p:nvSpPr>
+        <p:spPr>
+          <a:xfrm>
+            <a:off x="0" y="2"/>
+            <a:ext cx="12192000" cy="6857997"/>
+          </a:xfrm>
+          <a:prstGeom prst="rect">
+            <a:avLst/>
+          </a:prstGeom>
+          <a:ln>
+            <a:noFill/>
+          </a:ln>
+        </p:spPr>
+        <p:style>
+          <a:lnRef idx="2">
+            <a:schemeClr val="accent1">
+              <a:shade val="50000"/>
+            </a:schemeClr>
+          </a:lnRef>
+          <a:fillRef idx="1">
+            <a:schemeClr val="accent1"/>
+          </a:fillRef>
+          <a:effectRef idx="0">
+            <a:schemeClr val="accent1"/>
+          </a:effectRef>
+          <a:fontRef idx="minor">
+            <a:schemeClr val="lt1"/>
+          </a:fontRef>
+        </p:style>
+        <p:txBody>
+          <a:bodyPr rtlCol="0" anchor="ctr"/>
+          <a:lstStyle/>
+          <a:p>
+            <a:pPr algn="ctr"/>
+            <a:endParaRPr lang="en-US"/>
+          </a:p>
+        </p:txBody>
+      </p:sp>
+      <p:sp>
+        <p:nvSpPr>
+          <p:cNvPr id="2" name="Title 1">
+            <a:extLst>
+              <a:ext uri="{FF2B5EF4-FFF2-40B4-BE49-F238E27FC236}">
+                <a16:creationId xmlns:a16="http://schemas.microsoft.com/office/drawing/2014/main" id="{66CD22B2-38E4-B7AD-4EC0-71A1746B4215}"/>
+              </a:ext>
+            </a:extLst>
+          </p:cNvPr>
+          <p:cNvSpPr>
+            <a:spLocks noGrp="1"/>
+          </p:cNvSpPr>
+          <p:nvPr>
+            <p:ph type="title"/>
+          </p:nvPr>
+        </p:nvSpPr>
+        <p:spPr>
+          <a:xfrm>
+            <a:off x="8643193" y="489507"/>
+            <a:ext cx="3091607" cy="1655483"/>
+          </a:xfrm>
+        </p:spPr>
+        <p:txBody>
+          <a:bodyPr anchor="b">
+            <a:normAutofit/>
+          </a:bodyPr>
+          <a:lstStyle/>
+          <a:p>
+            <a:r>
+              <a:rPr lang="en-US" sz="4000"/>
+              <a:t>Results:</a:t>
+            </a:r>
+          </a:p>
+        </p:txBody>
+      </p:sp>
+      <p:pic>
+        <p:nvPicPr>
+          <p:cNvPr id="5" name="Content Placeholder 4" descr="A picture containing text, screenshot, number, diagram&#10;&#10;Description automatically generated">
+            <a:extLst>
+              <a:ext uri="{FF2B5EF4-FFF2-40B4-BE49-F238E27FC236}">
+                <a16:creationId xmlns:a16="http://schemas.microsoft.com/office/drawing/2014/main" id="{CAEEBFA4-3B20-9FC5-BF2B-CF0C9968D586}"/>
+              </a:ext>
+            </a:extLst>
+          </p:cNvPr>
+          <p:cNvPicPr>
+            <a:picLocks noChangeAspect="1"/>
+          </p:cNvPicPr>
+          <p:nvPr/>
+        </p:nvPicPr>
+        <p:blipFill rotWithShape="1">
+          <a:blip r:embed="rId2">
+            <a:extLst>
+              <a:ext uri="{28A0092B-C50C-407E-A947-70E740481C1C}">
+                <a14:useLocalDpi xmlns:a14="http://schemas.microsoft.com/office/drawing/2010/main" val="0"/>
+              </a:ext>
+            </a:extLst>
+          </a:blip>
+          <a:srcRect r="4705"/>
+          <a:stretch/>
+        </p:blipFill>
+        <p:spPr>
+          <a:xfrm>
+            <a:off x="20" y="431"/>
+            <a:ext cx="8115280" cy="6408311"/>
+          </a:xfrm>
+          <a:prstGeom prst="rect">
+            <a:avLst/>
+          </a:prstGeom>
+        </p:spPr>
+      </p:pic>
+      <p:sp>
+        <p:nvSpPr>
+          <p:cNvPr id="9" name="Content Placeholder 8">
+            <a:extLst>
+              <a:ext uri="{FF2B5EF4-FFF2-40B4-BE49-F238E27FC236}">
+                <a16:creationId xmlns:a16="http://schemas.microsoft.com/office/drawing/2014/main" id="{BFCA78C5-95C8-60A0-5C9F-45E4A0F74BBA}"/>
+              </a:ext>
+            </a:extLst>
+          </p:cNvPr>
+          <p:cNvSpPr>
+            <a:spLocks noGrp="1"/>
+          </p:cNvSpPr>
+          <p:nvPr>
+            <p:ph idx="1"/>
+          </p:nvPr>
+        </p:nvSpPr>
+        <p:spPr>
+          <a:xfrm>
+            <a:off x="8643193" y="2418408"/>
+            <a:ext cx="2942813" cy="3540265"/>
+          </a:xfrm>
+        </p:spPr>
+        <p:txBody>
+          <a:bodyPr>
+            <a:normAutofit/>
+          </a:bodyPr>
+          <a:lstStyle/>
+          <a:p>
+            <a:r>
+              <a:rPr lang="en-US" sz="2000"/>
+              <a:t>The data was very imbalanced which lead to a score of .72 </a:t>
+            </a:r>
+          </a:p>
+          <a:p>
+            <a:pPr marL="0" indent="0">
+              <a:buNone/>
+            </a:pPr>
+            <a:endParaRPr lang="en-US" sz="2000"/>
+          </a:p>
+          <a:p>
+            <a:endParaRPr lang="en-US" sz="2000"/>
+          </a:p>
+          <a:p>
+            <a:endParaRPr lang="en-US" sz="2000"/>
+          </a:p>
+          <a:p>
+            <a:endParaRPr lang="en-US" sz="2000"/>
+          </a:p>
+        </p:txBody>
+      </p:sp>
+      <p:sp>
+        <p:nvSpPr>
+          <p:cNvPr id="27" name="Rectangle 26">
+            <a:extLst>
+              <a:ext uri="{FF2B5EF4-FFF2-40B4-BE49-F238E27FC236}">
+                <a16:creationId xmlns:a16="http://schemas.microsoft.com/office/drawing/2014/main" id="{907741FC-B544-4A6E-B831-6789D042333D}"/>
+              </a:ext>
+              <a:ext uri="{C183D7F6-B498-43B3-948B-1728B52AA6E4}">
+                <adec:decorative xmlns:adec="http://schemas.microsoft.com/office/drawing/2017/decorative" val="1"/>
+              </a:ext>
+            </a:extLst>
+          </p:cNvPr>
+          <p:cNvSpPr>
+            <a:spLocks noGrp="1" noRot="1" noChangeAspect="1" noMove="1" noResize="1" noEditPoints="1" noAdjustHandles="1" noChangeArrowheads="1" noChangeShapeType="1" noTextEdit="1"/>
+          </p:cNvSpPr>
+          <p:nvPr>
+            <p:extLst>
+              <p:ext uri="{386F3935-93C4-4BCD-93E2-E3B085C9AB24}">
+                <p16:designElem xmlns:p16="http://schemas.microsoft.com/office/powerpoint/2015/main" val="1"/>
+              </p:ext>
+            </p:extLst>
+          </p:nvPr>
+        </p:nvSpPr>
+        <p:spPr>
+          <a:xfrm flipH="1">
+            <a:off x="-1" y="6408741"/>
+            <a:ext cx="12191998" cy="457202"/>
+          </a:xfrm>
+          <a:prstGeom prst="rect">
+            <a:avLst/>
+          </a:prstGeom>
+          <a:gradFill>
+            <a:gsLst>
+              <a:gs pos="34000">
+                <a:srgbClr val="000000">
+                  <a:alpha val="96000"/>
+                </a:srgbClr>
+              </a:gs>
+              <a:gs pos="100000">
+                <a:schemeClr val="accent1"/>
+              </a:gs>
+            </a:gsLst>
+            <a:lin ang="8400000" scaled="0"/>
+          </a:gradFill>
+          <a:ln>
+            <a:noFill/>
+          </a:ln>
+        </p:spPr>
+        <p:style>
+          <a:lnRef idx="2">
+            <a:schemeClr val="accent1">
+              <a:shade val="50000"/>
+            </a:schemeClr>
+          </a:lnRef>
+          <a:fillRef idx="1">
+            <a:schemeClr val="accent1"/>
+          </a:fillRef>
+          <a:effectRef idx="0">
+            <a:schemeClr val="accent1"/>
+          </a:effectRef>
+          <a:fontRef idx="minor">
+            <a:schemeClr val="lt1"/>
+          </a:fontRef>
+        </p:style>
+        <p:txBody>
+          <a:bodyPr rtlCol="0" anchor="ctr"/>
+          <a:lstStyle/>
+          <a:p>
+            <a:pPr algn="ctr"/>
+            <a:endParaRPr lang="en-US"/>
+          </a:p>
+        </p:txBody>
+      </p:sp>
+      <p:sp>
+        <p:nvSpPr>
+          <p:cNvPr id="29" name="Rectangle 28">
+            <a:extLst>
+              <a:ext uri="{FF2B5EF4-FFF2-40B4-BE49-F238E27FC236}">
+                <a16:creationId xmlns:a16="http://schemas.microsoft.com/office/drawing/2014/main" id="{3F0BE7ED-7814-4273-B18A-F26CC0380380}"/>
+              </a:ext>
+              <a:ext uri="{C183D7F6-B498-43B3-948B-1728B52AA6E4}">
+                <adec:decorative xmlns:adec="http://schemas.microsoft.com/office/drawing/2017/decorative" val="1"/>
+              </a:ext>
+            </a:extLst>
+          </p:cNvPr>
+          <p:cNvSpPr>
+            <a:spLocks noGrp="1" noRot="1" noChangeAspect="1" noMove="1" noResize="1" noEditPoints="1" noAdjustHandles="1" noChangeArrowheads="1" noChangeShapeType="1" noTextEdit="1"/>
+          </p:cNvSpPr>
+          <p:nvPr>
+            <p:extLst>
+              <p:ext uri="{386F3935-93C4-4BCD-93E2-E3B085C9AB24}">
+                <p16:designElem xmlns:p16="http://schemas.microsoft.com/office/powerpoint/2015/main" val="1"/>
+              </p:ext>
+            </p:extLst>
+          </p:nvPr>
+        </p:nvSpPr>
+        <p:spPr>
+          <a:xfrm flipH="1">
+            <a:off x="-4" y="6408742"/>
+            <a:ext cx="8115300" cy="449258"/>
+          </a:xfrm>
+          <a:prstGeom prst="rect">
+            <a:avLst/>
+          </a:prstGeom>
+          <a:gradFill>
+            <a:gsLst>
+              <a:gs pos="28000">
+                <a:schemeClr val="accent1">
+                  <a:lumMod val="75000"/>
+                  <a:alpha val="59000"/>
+                </a:schemeClr>
+              </a:gs>
+              <a:gs pos="100000">
+                <a:srgbClr val="000000">
+                  <a:alpha val="70000"/>
+                </a:srgbClr>
+              </a:gs>
+            </a:gsLst>
+            <a:lin ang="11400000" scaled="0"/>
+          </a:gradFill>
+          <a:ln>
+            <a:noFill/>
+          </a:ln>
+        </p:spPr>
+        <p:style>
+          <a:lnRef idx="2">
+            <a:schemeClr val="accent1">
+              <a:shade val="50000"/>
+            </a:schemeClr>
+          </a:lnRef>
+          <a:fillRef idx="1">
+            <a:schemeClr val="accent1"/>
+          </a:fillRef>
+          <a:effectRef idx="0">
+            <a:schemeClr val="accent1"/>
+          </a:effectRef>
+          <a:fontRef idx="minor">
+            <a:schemeClr val="lt1"/>
+          </a:fontRef>
+        </p:style>
+        <p:txBody>
+          <a:bodyPr rtlCol="0" anchor="ctr"/>
+          <a:lstStyle/>
+          <a:p>
+            <a:pPr algn="ctr"/>
+            <a:endParaRPr lang="en-US"/>
+          </a:p>
+        </p:txBody>
+      </p:sp>
+    </p:spTree>
+    <p:extLst>
+      <p:ext uri="{BB962C8B-B14F-4D97-AF65-F5344CB8AC3E}">
+        <p14:creationId xmlns:p14="http://schemas.microsoft.com/office/powerpoint/2010/main" val="4173952578"/>
+      </p:ext>
+    </p:extLst>
+  </p:cSld>
+  <p:clrMapOvr>
+    <a:masterClrMapping/>
+  </p:clrMapOvr>
+</p:sld>
+</file>
+
+<file path=ppt/slides/slide18.xml><?xml version="1.0" encoding="utf-8"?>
+<p:sld xmlns:a="http://schemas.openxmlformats.org/drawingml/2006/main" xmlns:r="http://schemas.openxmlformats.org/officeDocument/2006/relationships" xmlns:p="http://schemas.openxmlformats.org/presentationml/2006/main">
+  <p:cSld>
+    <p:bg>
+      <p:bgPr>
+        <a:solidFill>
+          <a:schemeClr val="bg1"/>
+        </a:solidFill>
+        <a:effectLst/>
+      </p:bgPr>
+    </p:bg>
+    <p:spTree>
+      <p:nvGrpSpPr>
+        <p:cNvPr id="1" name=""/>
+        <p:cNvGrpSpPr/>
+        <p:nvPr/>
+      </p:nvGrpSpPr>
+      <p:grpSpPr>
+        <a:xfrm>
+          <a:off x="0" y="0"/>
+          <a:ext cx="0" cy="0"/>
+          <a:chOff x="0" y="0"/>
+          <a:chExt cx="0" cy="0"/>
+        </a:xfrm>
+      </p:grpSpPr>
+      <p:sp useBgFill="1">
+        <p:nvSpPr>
+          <p:cNvPr id="21" name="Rectangle 20">
+            <a:extLst>
+              <a:ext uri="{FF2B5EF4-FFF2-40B4-BE49-F238E27FC236}">
+                <a16:creationId xmlns:a16="http://schemas.microsoft.com/office/drawing/2014/main" id="{32AEEBC8-9D30-42EF-95F2-386C2653FBF0}"/>
               </a:ext>
               <a:ext uri="{C183D7F6-B498-43B3-948B-1728B52AA6E4}">
                 <adec:decorative xmlns:adec="http://schemas.microsoft.com/office/drawing/2017/decorative" val="1"/>
@@ -9274,184 +11105,12 @@
           </a:p>
         </p:txBody>
       </p:sp>
-      <p:sp useBgFill="1">
+      <p:sp>
         <p:nvSpPr>
-          <p:cNvPr id="14" name="Freeform: Shape 13">
-            <a:extLst>
-              <a:ext uri="{FF2B5EF4-FFF2-40B4-BE49-F238E27FC236}">
-                <a16:creationId xmlns:a16="http://schemas.microsoft.com/office/drawing/2014/main" id="{CF236821-17FE-429B-8D2C-08E13A64EA40}"/>
-              </a:ext>
-              <a:ext uri="{C183D7F6-B498-43B3-948B-1728B52AA6E4}">
-                <adec:decorative xmlns:adec="http://schemas.microsoft.com/office/drawing/2017/decorative" val="1"/>
-              </a:ext>
-            </a:extLst>
-          </p:cNvPr>
-          <p:cNvSpPr>
-            <a:spLocks noGrp="1" noRot="1" noChangeAspect="1" noMove="1" noResize="1" noEditPoints="1" noAdjustHandles="1" noChangeArrowheads="1" noChangeShapeType="1" noTextEdit="1"/>
-          </p:cNvSpPr>
-          <p:nvPr>
-            <p:extLst>
-              <p:ext uri="{386F3935-93C4-4BCD-93E2-E3B085C9AB24}">
-                <p16:designElem xmlns:p16="http://schemas.microsoft.com/office/powerpoint/2015/main" val="1"/>
-              </p:ext>
-            </p:extLst>
-          </p:nvPr>
-        </p:nvSpPr>
-        <p:spPr>
-          <a:xfrm>
-            <a:off x="-1" y="0"/>
-            <a:ext cx="4455673" cy="6858000"/>
-          </a:xfrm>
-          <a:custGeom>
-            <a:avLst/>
-            <a:gdLst>
-              <a:gd name="connsiteX0" fmla="*/ 0 w 4455673"/>
-              <a:gd name="connsiteY0" fmla="*/ 0 h 6858000"/>
-              <a:gd name="connsiteX1" fmla="*/ 3242695 w 4455673"/>
-              <a:gd name="connsiteY1" fmla="*/ 0 h 6858000"/>
-              <a:gd name="connsiteX2" fmla="*/ 3305678 w 4455673"/>
-              <a:gd name="connsiteY2" fmla="*/ 69271 h 6858000"/>
-              <a:gd name="connsiteX3" fmla="*/ 4455673 w 4455673"/>
-              <a:gd name="connsiteY3" fmla="*/ 3429000 h 6858000"/>
-              <a:gd name="connsiteX4" fmla="*/ 3305678 w 4455673"/>
-              <a:gd name="connsiteY4" fmla="*/ 6788730 h 6858000"/>
-              <a:gd name="connsiteX5" fmla="*/ 3242695 w 4455673"/>
-              <a:gd name="connsiteY5" fmla="*/ 6858000 h 6858000"/>
-              <a:gd name="connsiteX6" fmla="*/ 0 w 4455673"/>
-              <a:gd name="connsiteY6" fmla="*/ 6858000 h 6858000"/>
-            </a:gdLst>
-            <a:ahLst/>
-            <a:cxnLst>
-              <a:cxn ang="0">
-                <a:pos x="connsiteX0" y="connsiteY0"/>
-              </a:cxn>
-              <a:cxn ang="0">
-                <a:pos x="connsiteX1" y="connsiteY1"/>
-              </a:cxn>
-              <a:cxn ang="0">
-                <a:pos x="connsiteX2" y="connsiteY2"/>
-              </a:cxn>
-              <a:cxn ang="0">
-                <a:pos x="connsiteX3" y="connsiteY3"/>
-              </a:cxn>
-              <a:cxn ang="0">
-                <a:pos x="connsiteX4" y="connsiteY4"/>
-              </a:cxn>
-              <a:cxn ang="0">
-                <a:pos x="connsiteX5" y="connsiteY5"/>
-              </a:cxn>
-              <a:cxn ang="0">
-                <a:pos x="connsiteX6" y="connsiteY6"/>
-              </a:cxn>
-            </a:cxnLst>
-            <a:rect l="l" t="t" r="r" b="b"/>
-            <a:pathLst>
-              <a:path w="4455673" h="6858000">
-                <a:moveTo>
-                  <a:pt x="0" y="0"/>
-                </a:moveTo>
-                <a:lnTo>
-                  <a:pt x="3242695" y="0"/>
-                </a:lnTo>
-                <a:lnTo>
-                  <a:pt x="3305678" y="69271"/>
-                </a:lnTo>
-                <a:cubicBezTo>
-                  <a:pt x="4016204" y="929100"/>
-                  <a:pt x="4455673" y="2116944"/>
-                  <a:pt x="4455673" y="3429000"/>
-                </a:cubicBezTo>
-                <a:cubicBezTo>
-                  <a:pt x="4455673" y="4741056"/>
-                  <a:pt x="4016204" y="5928900"/>
-                  <a:pt x="3305678" y="6788730"/>
-                </a:cubicBezTo>
-                <a:lnTo>
-                  <a:pt x="3242695" y="6858000"/>
-                </a:lnTo>
-                <a:lnTo>
-                  <a:pt x="0" y="6858000"/>
-                </a:lnTo>
-                <a:close/>
-              </a:path>
-            </a:pathLst>
-          </a:custGeom>
-          <a:ln w="9525">
-            <a:solidFill>
-              <a:srgbClr val="EFEFEF"/>
-            </a:solidFill>
-          </a:ln>
-          <a:effectLst>
-            <a:outerShdw blurRad="88900" dist="38100" algn="l" rotWithShape="0">
-              <a:schemeClr val="bg1">
-                <a:lumMod val="85000"/>
-                <a:alpha val="50000"/>
-              </a:schemeClr>
-            </a:outerShdw>
-          </a:effectLst>
-        </p:spPr>
-        <p:style>
-          <a:lnRef idx="2">
-            <a:schemeClr val="accent1">
-              <a:shade val="50000"/>
-            </a:schemeClr>
-          </a:lnRef>
-          <a:fillRef idx="1">
-            <a:schemeClr val="accent1"/>
-          </a:fillRef>
-          <a:effectRef idx="0">
-            <a:schemeClr val="accent1"/>
-          </a:effectRef>
-          <a:fontRef idx="minor">
-            <a:schemeClr val="lt1"/>
-          </a:fontRef>
-        </p:style>
-        <p:txBody>
-          <a:bodyPr wrap="square" rtlCol="0" anchor="ctr">
-            <a:noAutofit/>
-          </a:bodyPr>
-          <a:lstStyle/>
-          <a:p>
-            <a:pPr marL="0" marR="0" lvl="0" indent="0" algn="ctr" defTabSz="914400" rtl="0" eaLnBrk="1" fontAlgn="auto" latinLnBrk="0" hangingPunct="1">
-              <a:lnSpc>
-                <a:spcPct val="100000"/>
-              </a:lnSpc>
-              <a:spcBef>
-                <a:spcPts val="0"/>
-              </a:spcBef>
-              <a:spcAft>
-                <a:spcPts val="0"/>
-              </a:spcAft>
-              <a:buClrTx/>
-              <a:buSzTx/>
-              <a:buFontTx/>
-              <a:buNone/>
-              <a:tabLst/>
-              <a:defRPr/>
-            </a:pPr>
-            <a:endParaRPr kumimoji="0" lang="en-US" sz="1800" b="0" i="0" u="none" strike="noStrike" kern="1200" cap="none" spc="0" normalizeH="0" baseline="0" noProof="0">
-              <a:ln>
-                <a:noFill/>
-              </a:ln>
-              <a:solidFill>
-                <a:prstClr val="white"/>
-              </a:solidFill>
-              <a:effectLst/>
-              <a:uLnTx/>
-              <a:uFillTx/>
-              <a:latin typeface="Calibri" panose="020F0502020204030204"/>
-              <a:ea typeface="+mn-ea"/>
-              <a:cs typeface="+mn-cs"/>
-            </a:endParaRPr>
-          </a:p>
-        </p:txBody>
-      </p:sp>
-      <p:sp useBgFill="1">
-        <p:nvSpPr>
-          <p:cNvPr id="16" name="Freeform: Shape 15">
-            <a:extLst>
-              <a:ext uri="{FF2B5EF4-FFF2-40B4-BE49-F238E27FC236}">
-                <a16:creationId xmlns:a16="http://schemas.microsoft.com/office/drawing/2014/main" id="{C0BDBCD2-E081-43AB-9119-C55465E59757}"/>
+          <p:cNvPr id="23" name="Freeform: Shape 22">
+            <a:extLst>
+              <a:ext uri="{FF2B5EF4-FFF2-40B4-BE49-F238E27FC236}">
+                <a16:creationId xmlns:a16="http://schemas.microsoft.com/office/drawing/2014/main" id="{3529E97A-97C3-40EA-8A04-5C02398D568F}"/>
               </a:ext>
               <a:ext uri="{C183D7F6-B498-43B3-948B-1728B52AA6E4}">
                 <adec:decorative xmlns:adec="http://schemas.microsoft.com/office/drawing/2017/decorative" val="1"/>
@@ -9472,25 +11131,115 @@
         <p:spPr>
           <a:xfrm>
             <a:off x="0" y="0"/>
-            <a:ext cx="4446529" cy="6858000"/>
+            <a:ext cx="12192000" cy="2877832"/>
           </a:xfrm>
           <a:custGeom>
             <a:avLst/>
             <a:gdLst>
-              <a:gd name="connsiteX0" fmla="*/ 0 w 4446529"/>
-              <a:gd name="connsiteY0" fmla="*/ 0 h 6858000"/>
-              <a:gd name="connsiteX1" fmla="*/ 3233551 w 4446529"/>
-              <a:gd name="connsiteY1" fmla="*/ 0 h 6858000"/>
-              <a:gd name="connsiteX2" fmla="*/ 3296534 w 4446529"/>
-              <a:gd name="connsiteY2" fmla="*/ 69271 h 6858000"/>
-              <a:gd name="connsiteX3" fmla="*/ 4446529 w 4446529"/>
-              <a:gd name="connsiteY3" fmla="*/ 3429000 h 6858000"/>
-              <a:gd name="connsiteX4" fmla="*/ 3296534 w 4446529"/>
-              <a:gd name="connsiteY4" fmla="*/ 6788730 h 6858000"/>
-              <a:gd name="connsiteX5" fmla="*/ 3233551 w 4446529"/>
-              <a:gd name="connsiteY5" fmla="*/ 6858000 h 6858000"/>
-              <a:gd name="connsiteX6" fmla="*/ 0 w 4446529"/>
-              <a:gd name="connsiteY6" fmla="*/ 6858000 h 6858000"/>
+              <a:gd name="connsiteX0" fmla="*/ 6789701 w 12192000"/>
+              <a:gd name="connsiteY0" fmla="*/ 2809623 h 2877832"/>
+              <a:gd name="connsiteX1" fmla="*/ 6788702 w 12192000"/>
+              <a:gd name="connsiteY1" fmla="*/ 2809701 h 2877832"/>
+              <a:gd name="connsiteX2" fmla="*/ 6788476 w 12192000"/>
+              <a:gd name="connsiteY2" fmla="*/ 2810235 h 2877832"/>
+              <a:gd name="connsiteX3" fmla="*/ 0 w 12192000"/>
+              <a:gd name="connsiteY3" fmla="*/ 0 h 2877832"/>
+              <a:gd name="connsiteX4" fmla="*/ 12192000 w 12192000"/>
+              <a:gd name="connsiteY4" fmla="*/ 0 h 2877832"/>
+              <a:gd name="connsiteX5" fmla="*/ 12192000 w 12192000"/>
+              <a:gd name="connsiteY5" fmla="*/ 1915388 h 2877832"/>
+              <a:gd name="connsiteX6" fmla="*/ 12061096 w 12192000"/>
+              <a:gd name="connsiteY6" fmla="*/ 1954428 h 2877832"/>
+              <a:gd name="connsiteX7" fmla="*/ 11676800 w 12192000"/>
+              <a:gd name="connsiteY7" fmla="*/ 2058003 h 2877832"/>
+              <a:gd name="connsiteX8" fmla="*/ 10425355 w 12192000"/>
+              <a:gd name="connsiteY8" fmla="*/ 2341542 h 2877832"/>
+              <a:gd name="connsiteX9" fmla="*/ 9424022 w 12192000"/>
+              <a:gd name="connsiteY9" fmla="*/ 2516704 h 2877832"/>
+              <a:gd name="connsiteX10" fmla="*/ 8458419 w 12192000"/>
+              <a:gd name="connsiteY10" fmla="*/ 2650405 h 2877832"/>
+              <a:gd name="connsiteX11" fmla="*/ 7715970 w 12192000"/>
+              <a:gd name="connsiteY11" fmla="*/ 2730352 h 2877832"/>
+              <a:gd name="connsiteX12" fmla="*/ 6951716 w 12192000"/>
+              <a:gd name="connsiteY12" fmla="*/ 2796132 h 2877832"/>
+              <a:gd name="connsiteX13" fmla="*/ 6936303 w 12192000"/>
+              <a:gd name="connsiteY13" fmla="*/ 2798203 h 2877832"/>
+              <a:gd name="connsiteX14" fmla="*/ 6790448 w 12192000"/>
+              <a:gd name="connsiteY14" fmla="*/ 2809564 h 2877832"/>
+              <a:gd name="connsiteX15" fmla="*/ 6799941 w 12192000"/>
+              <a:gd name="connsiteY15" fmla="*/ 2811384 h 2877832"/>
+              <a:gd name="connsiteX16" fmla="*/ 6835432 w 12192000"/>
+              <a:gd name="connsiteY16" fmla="*/ 2809677 h 2877832"/>
+              <a:gd name="connsiteX17" fmla="*/ 6884003 w 12192000"/>
+              <a:gd name="connsiteY17" fmla="*/ 2806699 h 2877832"/>
+              <a:gd name="connsiteX18" fmla="*/ 7578771 w 12192000"/>
+              <a:gd name="connsiteY18" fmla="*/ 2774172 h 2877832"/>
+              <a:gd name="connsiteX19" fmla="*/ 8623845 w 12192000"/>
+              <a:gd name="connsiteY19" fmla="*/ 2687275 h 2877832"/>
+              <a:gd name="connsiteX20" fmla="*/ 9479970 w 12192000"/>
+              <a:gd name="connsiteY20" fmla="*/ 2583369 h 2877832"/>
+              <a:gd name="connsiteX21" fmla="*/ 10629308 w 12192000"/>
+              <a:gd name="connsiteY21" fmla="*/ 2389212 h 2877832"/>
+              <a:gd name="connsiteX22" fmla="*/ 11998498 w 12192000"/>
+              <a:gd name="connsiteY22" fmla="*/ 2063218 h 2877832"/>
+              <a:gd name="connsiteX23" fmla="*/ 12192000 w 12192000"/>
+              <a:gd name="connsiteY23" fmla="*/ 2006219 h 2877832"/>
+              <a:gd name="connsiteX24" fmla="*/ 12192000 w 12192000"/>
+              <a:gd name="connsiteY24" fmla="*/ 2060956 h 2877832"/>
+              <a:gd name="connsiteX25" fmla="*/ 11829257 w 12192000"/>
+              <a:gd name="connsiteY25" fmla="*/ 2166255 h 2877832"/>
+              <a:gd name="connsiteX26" fmla="*/ 10939183 w 12192000"/>
+              <a:gd name="connsiteY26" fmla="*/ 2380770 h 2877832"/>
+              <a:gd name="connsiteX27" fmla="*/ 9985530 w 12192000"/>
+              <a:gd name="connsiteY27" fmla="*/ 2560775 h 2877832"/>
+              <a:gd name="connsiteX28" fmla="*/ 9186882 w 12192000"/>
+              <a:gd name="connsiteY28" fmla="*/ 2676722 h 2877832"/>
+              <a:gd name="connsiteX29" fmla="*/ 8578198 w 12192000"/>
+              <a:gd name="connsiteY29" fmla="*/ 2746241 h 2877832"/>
+              <a:gd name="connsiteX30" fmla="*/ 7864358 w 12192000"/>
+              <a:gd name="connsiteY30" fmla="*/ 2807692 h 2877832"/>
+              <a:gd name="connsiteX31" fmla="*/ 6935502 w 12192000"/>
+              <a:gd name="connsiteY31" fmla="*/ 2859086 h 2877832"/>
+              <a:gd name="connsiteX32" fmla="*/ 6477750 w 12192000"/>
+              <a:gd name="connsiteY32" fmla="*/ 2872989 h 2877832"/>
+              <a:gd name="connsiteX33" fmla="*/ 6362294 w 12192000"/>
+              <a:gd name="connsiteY33" fmla="*/ 2877832 h 2877832"/>
+              <a:gd name="connsiteX34" fmla="*/ 6057129 w 12192000"/>
+              <a:gd name="connsiteY34" fmla="*/ 2877832 h 2877832"/>
+              <a:gd name="connsiteX35" fmla="*/ 5977784 w 12192000"/>
+              <a:gd name="connsiteY35" fmla="*/ 2873238 h 2877832"/>
+              <a:gd name="connsiteX36" fmla="*/ 5265087 w 12192000"/>
+              <a:gd name="connsiteY36" fmla="*/ 2836989 h 2877832"/>
+              <a:gd name="connsiteX37" fmla="*/ 4346277 w 12192000"/>
+              <a:gd name="connsiteY37" fmla="*/ 2774919 h 2877832"/>
+              <a:gd name="connsiteX38" fmla="*/ 3373045 w 12192000"/>
+              <a:gd name="connsiteY38" fmla="*/ 2676350 h 2877832"/>
+              <a:gd name="connsiteX39" fmla="*/ 2362173 w 12192000"/>
+              <a:gd name="connsiteY39" fmla="*/ 2557423 h 2877832"/>
+              <a:gd name="connsiteX40" fmla="*/ 1233178 w 12192000"/>
+              <a:gd name="connsiteY40" fmla="*/ 2384247 h 2877832"/>
+              <a:gd name="connsiteX41" fmla="*/ 68500 w 12192000"/>
+              <a:gd name="connsiteY41" fmla="*/ 2144540 h 2877832"/>
+              <a:gd name="connsiteX42" fmla="*/ 0 w 12192000"/>
+              <a:gd name="connsiteY42" fmla="*/ 2127185 h 2877832"/>
+              <a:gd name="connsiteX43" fmla="*/ 0 w 12192000"/>
+              <a:gd name="connsiteY43" fmla="*/ 2070696 h 2877832"/>
+              <a:gd name="connsiteX44" fmla="*/ 72441 w 12192000"/>
+              <a:gd name="connsiteY44" fmla="*/ 2089473 h 2877832"/>
+              <a:gd name="connsiteX45" fmla="*/ 600716 w 12192000"/>
+              <a:gd name="connsiteY45" fmla="*/ 2207843 h 2877832"/>
+              <a:gd name="connsiteX46" fmla="*/ 1769512 w 12192000"/>
+              <a:gd name="connsiteY46" fmla="*/ 2418011 h 2877832"/>
+              <a:gd name="connsiteX47" fmla="*/ 2613554 w 12192000"/>
+              <a:gd name="connsiteY47" fmla="*/ 2534953 h 2877832"/>
+              <a:gd name="connsiteX48" fmla="*/ 2581134 w 12192000"/>
+              <a:gd name="connsiteY48" fmla="*/ 2525022 h 2877832"/>
+              <a:gd name="connsiteX49" fmla="*/ 1112635 w 12192000"/>
+              <a:gd name="connsiteY49" fmla="*/ 2192325 h 2877832"/>
+              <a:gd name="connsiteX50" fmla="*/ 420412 w 12192000"/>
+              <a:gd name="connsiteY50" fmla="*/ 1992892 h 2877832"/>
+              <a:gd name="connsiteX51" fmla="*/ 0 w 12192000"/>
+              <a:gd name="connsiteY51" fmla="*/ 1853975 h 2877832"/>
             </a:gdLst>
             <a:ahLst/>
             <a:cxnLst>
@@ -9515,166 +11264,370 @@
               <a:cxn ang="0">
                 <a:pos x="connsiteX6" y="connsiteY6"/>
               </a:cxn>
+              <a:cxn ang="0">
+                <a:pos x="connsiteX7" y="connsiteY7"/>
+              </a:cxn>
+              <a:cxn ang="0">
+                <a:pos x="connsiteX8" y="connsiteY8"/>
+              </a:cxn>
+              <a:cxn ang="0">
+                <a:pos x="connsiteX9" y="connsiteY9"/>
+              </a:cxn>
+              <a:cxn ang="0">
+                <a:pos x="connsiteX10" y="connsiteY10"/>
+              </a:cxn>
+              <a:cxn ang="0">
+                <a:pos x="connsiteX11" y="connsiteY11"/>
+              </a:cxn>
+              <a:cxn ang="0">
+                <a:pos x="connsiteX12" y="connsiteY12"/>
+              </a:cxn>
+              <a:cxn ang="0">
+                <a:pos x="connsiteX13" y="connsiteY13"/>
+              </a:cxn>
+              <a:cxn ang="0">
+                <a:pos x="connsiteX14" y="connsiteY14"/>
+              </a:cxn>
+              <a:cxn ang="0">
+                <a:pos x="connsiteX15" y="connsiteY15"/>
+              </a:cxn>
+              <a:cxn ang="0">
+                <a:pos x="connsiteX16" y="connsiteY16"/>
+              </a:cxn>
+              <a:cxn ang="0">
+                <a:pos x="connsiteX17" y="connsiteY17"/>
+              </a:cxn>
+              <a:cxn ang="0">
+                <a:pos x="connsiteX18" y="connsiteY18"/>
+              </a:cxn>
+              <a:cxn ang="0">
+                <a:pos x="connsiteX19" y="connsiteY19"/>
+              </a:cxn>
+              <a:cxn ang="0">
+                <a:pos x="connsiteX20" y="connsiteY20"/>
+              </a:cxn>
+              <a:cxn ang="0">
+                <a:pos x="connsiteX21" y="connsiteY21"/>
+              </a:cxn>
+              <a:cxn ang="0">
+                <a:pos x="connsiteX22" y="connsiteY22"/>
+              </a:cxn>
+              <a:cxn ang="0">
+                <a:pos x="connsiteX23" y="connsiteY23"/>
+              </a:cxn>
+              <a:cxn ang="0">
+                <a:pos x="connsiteX24" y="connsiteY24"/>
+              </a:cxn>
+              <a:cxn ang="0">
+                <a:pos x="connsiteX25" y="connsiteY25"/>
+              </a:cxn>
+              <a:cxn ang="0">
+                <a:pos x="connsiteX26" y="connsiteY26"/>
+              </a:cxn>
+              <a:cxn ang="0">
+                <a:pos x="connsiteX27" y="connsiteY27"/>
+              </a:cxn>
+              <a:cxn ang="0">
+                <a:pos x="connsiteX28" y="connsiteY28"/>
+              </a:cxn>
+              <a:cxn ang="0">
+                <a:pos x="connsiteX29" y="connsiteY29"/>
+              </a:cxn>
+              <a:cxn ang="0">
+                <a:pos x="connsiteX30" y="connsiteY30"/>
+              </a:cxn>
+              <a:cxn ang="0">
+                <a:pos x="connsiteX31" y="connsiteY31"/>
+              </a:cxn>
+              <a:cxn ang="0">
+                <a:pos x="connsiteX32" y="connsiteY32"/>
+              </a:cxn>
+              <a:cxn ang="0">
+                <a:pos x="connsiteX33" y="connsiteY33"/>
+              </a:cxn>
+              <a:cxn ang="0">
+                <a:pos x="connsiteX34" y="connsiteY34"/>
+              </a:cxn>
+              <a:cxn ang="0">
+                <a:pos x="connsiteX35" y="connsiteY35"/>
+              </a:cxn>
+              <a:cxn ang="0">
+                <a:pos x="connsiteX36" y="connsiteY36"/>
+              </a:cxn>
+              <a:cxn ang="0">
+                <a:pos x="connsiteX37" y="connsiteY37"/>
+              </a:cxn>
+              <a:cxn ang="0">
+                <a:pos x="connsiteX38" y="connsiteY38"/>
+              </a:cxn>
+              <a:cxn ang="0">
+                <a:pos x="connsiteX39" y="connsiteY39"/>
+              </a:cxn>
+              <a:cxn ang="0">
+                <a:pos x="connsiteX40" y="connsiteY40"/>
+              </a:cxn>
+              <a:cxn ang="0">
+                <a:pos x="connsiteX41" y="connsiteY41"/>
+              </a:cxn>
+              <a:cxn ang="0">
+                <a:pos x="connsiteX42" y="connsiteY42"/>
+              </a:cxn>
+              <a:cxn ang="0">
+                <a:pos x="connsiteX43" y="connsiteY43"/>
+              </a:cxn>
+              <a:cxn ang="0">
+                <a:pos x="connsiteX44" y="connsiteY44"/>
+              </a:cxn>
+              <a:cxn ang="0">
+                <a:pos x="connsiteX45" y="connsiteY45"/>
+              </a:cxn>
+              <a:cxn ang="0">
+                <a:pos x="connsiteX46" y="connsiteY46"/>
+              </a:cxn>
+              <a:cxn ang="0">
+                <a:pos x="connsiteX47" y="connsiteY47"/>
+              </a:cxn>
+              <a:cxn ang="0">
+                <a:pos x="connsiteX48" y="connsiteY48"/>
+              </a:cxn>
+              <a:cxn ang="0">
+                <a:pos x="connsiteX49" y="connsiteY49"/>
+              </a:cxn>
+              <a:cxn ang="0">
+                <a:pos x="connsiteX50" y="connsiteY50"/>
+              </a:cxn>
+              <a:cxn ang="0">
+                <a:pos x="connsiteX51" y="connsiteY51"/>
+              </a:cxn>
             </a:cxnLst>
             <a:rect l="l" t="t" r="r" b="b"/>
             <a:pathLst>
-              <a:path w="4446529" h="6858000">
+              <a:path w="12192000" h="2877832">
+                <a:moveTo>
+                  <a:pt x="6789701" y="2809623"/>
+                </a:moveTo>
+                <a:lnTo>
+                  <a:pt x="6788702" y="2809701"/>
+                </a:lnTo>
+                <a:lnTo>
+                  <a:pt x="6788476" y="2810235"/>
+                </a:lnTo>
+                <a:close/>
                 <a:moveTo>
                   <a:pt x="0" y="0"/>
                 </a:moveTo>
                 <a:lnTo>
-                  <a:pt x="3233551" y="0"/>
+                  <a:pt x="12192000" y="0"/>
                 </a:lnTo>
                 <a:lnTo>
-                  <a:pt x="3296534" y="69271"/>
-                </a:lnTo>
-                <a:cubicBezTo>
-                  <a:pt x="4007060" y="929100"/>
-                  <a:pt x="4446529" y="2116944"/>
-                  <a:pt x="4446529" y="3429000"/>
-                </a:cubicBezTo>
-                <a:cubicBezTo>
-                  <a:pt x="4446529" y="4741056"/>
-                  <a:pt x="4007060" y="5928900"/>
-                  <a:pt x="3296534" y="6788730"/>
-                </a:cubicBezTo>
-                <a:lnTo>
-                  <a:pt x="3233551" y="6858000"/>
+                  <a:pt x="12192000" y="1915388"/>
                 </a:lnTo>
                 <a:lnTo>
-                  <a:pt x="0" y="6858000"/>
+                  <a:pt x="12061096" y="1954428"/>
+                </a:lnTo>
+                <a:cubicBezTo>
+                  <a:pt x="11933500" y="1990642"/>
+                  <a:pt x="11805390" y="2025171"/>
+                  <a:pt x="11676800" y="2058003"/>
+                </a:cubicBezTo>
+                <a:cubicBezTo>
+                  <a:pt x="11262789" y="2165510"/>
+                  <a:pt x="10845343" y="2259112"/>
+                  <a:pt x="10425355" y="2341542"/>
+                </a:cubicBezTo>
+                <a:cubicBezTo>
+                  <a:pt x="10092810" y="2406753"/>
+                  <a:pt x="9759033" y="2465150"/>
+                  <a:pt x="9424022" y="2516704"/>
+                </a:cubicBezTo>
+                <a:cubicBezTo>
+                  <a:pt x="9102997" y="2566361"/>
+                  <a:pt x="8781133" y="2610928"/>
+                  <a:pt x="8458419" y="2650405"/>
+                </a:cubicBezTo>
+                <a:cubicBezTo>
+                  <a:pt x="8211360" y="2680571"/>
+                  <a:pt x="7963792" y="2706144"/>
+                  <a:pt x="7715970" y="2730352"/>
+                </a:cubicBezTo>
+                <a:lnTo>
+                  <a:pt x="6951716" y="2796132"/>
+                </a:lnTo>
+                <a:lnTo>
+                  <a:pt x="6936303" y="2798203"/>
+                </a:lnTo>
+                <a:lnTo>
+                  <a:pt x="6790448" y="2809564"/>
+                </a:lnTo>
+                <a:lnTo>
+                  <a:pt x="6799941" y="2811384"/>
+                </a:lnTo>
+                <a:cubicBezTo>
+                  <a:pt x="6811623" y="2811850"/>
+                  <a:pt x="6823734" y="2809677"/>
+                  <a:pt x="6835432" y="2809677"/>
+                </a:cubicBezTo>
+                <a:cubicBezTo>
+                  <a:pt x="6851580" y="2809677"/>
+                  <a:pt x="6867729" y="2807070"/>
+                  <a:pt x="6884003" y="2806699"/>
+                </a:cubicBezTo>
+                <a:cubicBezTo>
+                  <a:pt x="7115805" y="2801237"/>
+                  <a:pt x="7347351" y="2789070"/>
+                  <a:pt x="7578771" y="2774172"/>
+                </a:cubicBezTo>
+                <a:cubicBezTo>
+                  <a:pt x="7927552" y="2751704"/>
+                  <a:pt x="8276080" y="2723525"/>
+                  <a:pt x="8623845" y="2687275"/>
+                </a:cubicBezTo>
+                <a:cubicBezTo>
+                  <a:pt x="8909939" y="2657977"/>
+                  <a:pt x="9195310" y="2623342"/>
+                  <a:pt x="9479970" y="2583369"/>
+                </a:cubicBezTo>
+                <a:cubicBezTo>
+                  <a:pt x="9864901" y="2528995"/>
+                  <a:pt x="10248014" y="2464281"/>
+                  <a:pt x="10629308" y="2389212"/>
+                </a:cubicBezTo>
+                <a:cubicBezTo>
+                  <a:pt x="11090114" y="2298092"/>
+                  <a:pt x="11546975" y="2190586"/>
+                  <a:pt x="11998498" y="2063218"/>
+                </a:cubicBezTo>
+                <a:lnTo>
+                  <a:pt x="12192000" y="2006219"/>
+                </a:lnTo>
+                <a:lnTo>
+                  <a:pt x="12192000" y="2060956"/>
+                </a:lnTo>
+                <a:lnTo>
+                  <a:pt x="11829257" y="2166255"/>
+                </a:lnTo>
+                <a:cubicBezTo>
+                  <a:pt x="11534769" y="2245952"/>
+                  <a:pt x="11238120" y="2316838"/>
+                  <a:pt x="10939183" y="2380770"/>
+                </a:cubicBezTo>
+                <a:cubicBezTo>
+                  <a:pt x="10622824" y="2448552"/>
+                  <a:pt x="10304941" y="2508549"/>
+                  <a:pt x="9985530" y="2560775"/>
+                </a:cubicBezTo>
+                <a:cubicBezTo>
+                  <a:pt x="9720036" y="2604224"/>
+                  <a:pt x="9453814" y="2642869"/>
+                  <a:pt x="9186882" y="2676722"/>
+                </a:cubicBezTo>
+                <a:cubicBezTo>
+                  <a:pt x="8984197" y="2702296"/>
+                  <a:pt x="8781514" y="2726379"/>
+                  <a:pt x="8578198" y="2746241"/>
+                </a:cubicBezTo>
+                <a:cubicBezTo>
+                  <a:pt x="8340547" y="2768961"/>
+                  <a:pt x="8102644" y="2790436"/>
+                  <a:pt x="7864358" y="2807692"/>
+                </a:cubicBezTo>
+                <a:cubicBezTo>
+                  <a:pt x="7554994" y="2830036"/>
+                  <a:pt x="7245502" y="2847914"/>
+                  <a:pt x="6935502" y="2859086"/>
+                </a:cubicBezTo>
+                <a:cubicBezTo>
+                  <a:pt x="6782917" y="2864549"/>
+                  <a:pt x="6630334" y="2868397"/>
+                  <a:pt x="6477750" y="2872989"/>
+                </a:cubicBezTo>
+                <a:cubicBezTo>
+                  <a:pt x="6439195" y="2870905"/>
+                  <a:pt x="6400529" y="2872530"/>
+                  <a:pt x="6362294" y="2877832"/>
+                </a:cubicBezTo>
+                <a:lnTo>
+                  <a:pt x="6057129" y="2877832"/>
+                </a:lnTo>
+                <a:lnTo>
+                  <a:pt x="5977784" y="2873238"/>
+                </a:lnTo>
+                <a:cubicBezTo>
+                  <a:pt x="5740261" y="2860825"/>
+                  <a:pt x="5502739" y="2847046"/>
+                  <a:pt x="5265087" y="2836989"/>
+                </a:cubicBezTo>
+                <a:cubicBezTo>
+                  <a:pt x="4958267" y="2824573"/>
+                  <a:pt x="4651826" y="2804093"/>
+                  <a:pt x="4346277" y="2774919"/>
+                </a:cubicBezTo>
+                <a:cubicBezTo>
+                  <a:pt x="4021654" y="2744007"/>
+                  <a:pt x="3697795" y="2709372"/>
+                  <a:pt x="3373045" y="2676350"/>
+                </a:cubicBezTo>
+                <a:cubicBezTo>
+                  <a:pt x="3035412" y="2642088"/>
+                  <a:pt x="2698456" y="2602449"/>
+                  <a:pt x="2362173" y="2557423"/>
+                </a:cubicBezTo>
+                <a:cubicBezTo>
+                  <a:pt x="1984692" y="2507270"/>
+                  <a:pt x="1608364" y="2449544"/>
+                  <a:pt x="1233178" y="2384247"/>
+                </a:cubicBezTo>
+                <a:cubicBezTo>
+                  <a:pt x="842181" y="2315534"/>
+                  <a:pt x="453758" y="2237046"/>
+                  <a:pt x="68500" y="2144540"/>
+                </a:cubicBezTo>
+                <a:lnTo>
+                  <a:pt x="0" y="2127185"/>
+                </a:lnTo>
+                <a:lnTo>
+                  <a:pt x="0" y="2070696"/>
+                </a:lnTo>
+                <a:lnTo>
+                  <a:pt x="72441" y="2089473"/>
+                </a:lnTo>
+                <a:cubicBezTo>
+                  <a:pt x="247961" y="2131651"/>
+                  <a:pt x="424164" y="2170911"/>
+                  <a:pt x="600716" y="2207843"/>
+                </a:cubicBezTo>
+                <a:cubicBezTo>
+                  <a:pt x="988279" y="2288657"/>
+                  <a:pt x="1378133" y="2357555"/>
+                  <a:pt x="1769512" y="2418011"/>
+                </a:cubicBezTo>
+                <a:cubicBezTo>
+                  <a:pt x="2052426" y="2461587"/>
+                  <a:pt x="2335725" y="2501684"/>
+                  <a:pt x="2613554" y="2534953"/>
+                </a:cubicBezTo>
+                <a:cubicBezTo>
+                  <a:pt x="2605544" y="2537560"/>
+                  <a:pt x="2594611" y="2527504"/>
+                  <a:pt x="2581134" y="2525022"/>
+                </a:cubicBezTo>
+                <a:cubicBezTo>
+                  <a:pt x="2087178" y="2433070"/>
+                  <a:pt x="1597684" y="2322177"/>
+                  <a:pt x="1112635" y="2192325"/>
+                </a:cubicBezTo>
+                <a:cubicBezTo>
+                  <a:pt x="880453" y="2130254"/>
+                  <a:pt x="649713" y="2063776"/>
+                  <a:pt x="420412" y="1992892"/>
+                </a:cubicBezTo>
+                <a:lnTo>
+                  <a:pt x="0" y="1853975"/>
                 </a:lnTo>
                 <a:close/>
               </a:path>
             </a:pathLst>
           </a:custGeom>
-          <a:ln w="9525">
-            <a:noFill/>
-          </a:ln>
-          <a:effectLst/>
-        </p:spPr>
-        <p:style>
-          <a:lnRef idx="2">
-            <a:schemeClr val="accent1">
-              <a:shade val="50000"/>
-            </a:schemeClr>
-          </a:lnRef>
-          <a:fillRef idx="1">
-            <a:schemeClr val="accent1"/>
-          </a:fillRef>
-          <a:effectRef idx="0">
-            <a:schemeClr val="accent1"/>
-          </a:effectRef>
-          <a:fontRef idx="minor">
-            <a:schemeClr val="lt1"/>
-          </a:fontRef>
-        </p:style>
-        <p:txBody>
-          <a:bodyPr wrap="square" rtlCol="0" anchor="ctr">
-            <a:noAutofit/>
-          </a:bodyPr>
-          <a:lstStyle/>
-          <a:p>
-            <a:pPr marL="0" marR="0" lvl="0" indent="0" algn="ctr" defTabSz="914400" rtl="0" eaLnBrk="1" fontAlgn="auto" latinLnBrk="0" hangingPunct="1">
-              <a:lnSpc>
-                <a:spcPct val="100000"/>
-              </a:lnSpc>
-              <a:spcBef>
-                <a:spcPts val="0"/>
-              </a:spcBef>
-              <a:spcAft>
-                <a:spcPts val="0"/>
-              </a:spcAft>
-              <a:buClrTx/>
-              <a:buSzTx/>
-              <a:buFontTx/>
-              <a:buNone/>
-              <a:tabLst/>
-              <a:defRPr/>
-            </a:pPr>
-            <a:endParaRPr kumimoji="0" lang="en-US" sz="1800" b="0" i="0" u="none" strike="noStrike" kern="1200" cap="none" spc="0" normalizeH="0" baseline="0" noProof="0">
-              <a:ln>
-                <a:noFill/>
-              </a:ln>
-              <a:solidFill>
-                <a:prstClr val="white"/>
-              </a:solidFill>
-              <a:effectLst/>
-              <a:uLnTx/>
-              <a:uFillTx/>
-              <a:latin typeface="Calibri" panose="020F0502020204030204"/>
-              <a:ea typeface="+mn-ea"/>
-              <a:cs typeface="+mn-cs"/>
-            </a:endParaRPr>
-          </a:p>
-        </p:txBody>
-      </p:sp>
-      <p:sp>
-        <p:nvSpPr>
-          <p:cNvPr id="2" name="Title 1">
-            <a:extLst>
-              <a:ext uri="{FF2B5EF4-FFF2-40B4-BE49-F238E27FC236}">
-                <a16:creationId xmlns:a16="http://schemas.microsoft.com/office/drawing/2014/main" id="{66CD22B2-38E4-B7AD-4EC0-71A1746B4215}"/>
-              </a:ext>
-            </a:extLst>
-          </p:cNvPr>
-          <p:cNvSpPr>
-            <a:spLocks noGrp="1"/>
-          </p:cNvSpPr>
-          <p:nvPr>
-            <p:ph type="title"/>
-          </p:nvPr>
-        </p:nvSpPr>
-        <p:spPr>
-          <a:xfrm>
-            <a:off x="371094" y="1161288"/>
-            <a:ext cx="3438144" cy="1239012"/>
-          </a:xfrm>
-        </p:spPr>
-        <p:txBody>
-          <a:bodyPr anchor="ctr">
-            <a:normAutofit/>
-          </a:bodyPr>
-          <a:lstStyle/>
-          <a:p>
-            <a:r>
-              <a:rPr lang="en-US" sz="2800" dirty="0"/>
-              <a:t>Results:</a:t>
-            </a:r>
-          </a:p>
-        </p:txBody>
-      </p:sp>
-      <p:sp>
-        <p:nvSpPr>
-          <p:cNvPr id="18" name="Rectangle 17">
-            <a:extLst>
-              <a:ext uri="{FF2B5EF4-FFF2-40B4-BE49-F238E27FC236}">
-                <a16:creationId xmlns:a16="http://schemas.microsoft.com/office/drawing/2014/main" id="{98E79BE4-34FE-485A-98A5-92CE8F7C4743}"/>
-              </a:ext>
-              <a:ext uri="{C183D7F6-B498-43B3-948B-1728B52AA6E4}">
-                <adec:decorative xmlns:adec="http://schemas.microsoft.com/office/drawing/2017/decorative" val="1"/>
-              </a:ext>
-            </a:extLst>
-          </p:cNvPr>
-          <p:cNvSpPr>
-            <a:spLocks noGrp="1" noRot="1" noChangeAspect="1" noMove="1" noResize="1" noEditPoints="1" noAdjustHandles="1" noChangeArrowheads="1" noChangeShapeType="1" noTextEdit="1"/>
-          </p:cNvSpPr>
-          <p:nvPr>
-            <p:extLst>
-              <p:ext uri="{386F3935-93C4-4BCD-93E2-E3B085C9AB24}">
-                <p16:designElem xmlns:p16="http://schemas.microsoft.com/office/powerpoint/2015/main" val="1"/>
-              </p:ext>
-            </p:extLst>
-          </p:nvPr>
-        </p:nvSpPr>
-        <p:spPr>
-          <a:xfrm>
-            <a:off x="0" y="1426546"/>
-            <a:ext cx="128016" cy="653903"/>
-          </a:xfrm>
-          <a:prstGeom prst="rect">
-            <a:avLst/>
-          </a:prstGeom>
           <a:solidFill>
             <a:schemeClr val="accent2"/>
           </a:solidFill>
@@ -9699,25 +11652,61 @@
           </a:fontRef>
         </p:style>
         <p:txBody>
-          <a:bodyPr rtlCol="0" anchor="ctr"/>
+          <a:bodyPr wrap="square" rtlCol="0" anchor="ctr">
+            <a:noAutofit/>
+          </a:bodyPr>
           <a:lstStyle/>
           <a:p>
             <a:pPr algn="ctr"/>
-            <a:endParaRPr lang="en-US">
-              <a:solidFill>
-                <a:prstClr val="white"/>
-              </a:solidFill>
-              <a:latin typeface="Calibri" panose="020F0502020204030204"/>
-            </a:endParaRPr>
+            <a:endParaRPr lang="en-US"/>
           </a:p>
         </p:txBody>
       </p:sp>
       <p:sp>
         <p:nvSpPr>
-          <p:cNvPr id="20" name="Rectangle 19">
-            <a:extLst>
-              <a:ext uri="{FF2B5EF4-FFF2-40B4-BE49-F238E27FC236}">
-                <a16:creationId xmlns:a16="http://schemas.microsoft.com/office/drawing/2014/main" id="{7A5F0580-5EE9-419F-96EE-B6529EF6E7D0}"/>
+          <p:cNvPr id="2" name="Title 1">
+            <a:extLst>
+              <a:ext uri="{FF2B5EF4-FFF2-40B4-BE49-F238E27FC236}">
+                <a16:creationId xmlns:a16="http://schemas.microsoft.com/office/drawing/2014/main" id="{B1E1E978-EA92-A734-7FF6-D13D5866471A}"/>
+              </a:ext>
+            </a:extLst>
+          </p:cNvPr>
+          <p:cNvSpPr>
+            <a:spLocks noGrp="1"/>
+          </p:cNvSpPr>
+          <p:nvPr>
+            <p:ph type="title"/>
+          </p:nvPr>
+        </p:nvSpPr>
+        <p:spPr>
+          <a:xfrm>
+            <a:off x="630936" y="630936"/>
+            <a:ext cx="3599688" cy="1463040"/>
+          </a:xfrm>
+        </p:spPr>
+        <p:txBody>
+          <a:bodyPr anchor="ctr">
+            <a:normAutofit fontScale="90000"/>
+          </a:bodyPr>
+          <a:lstStyle/>
+          <a:p>
+            <a:r>
+              <a:rPr lang="en-US" dirty="0">
+                <a:solidFill>
+                  <a:srgbClr val="FFFFFF"/>
+                </a:solidFill>
+              </a:rPr>
+              <a:t>Model predictions with flight test data</a:t>
+            </a:r>
+          </a:p>
+        </p:txBody>
+      </p:sp>
+      <p:sp>
+        <p:nvSpPr>
+          <p:cNvPr id="25" name="sketch line">
+            <a:extLst>
+              <a:ext uri="{FF2B5EF4-FFF2-40B4-BE49-F238E27FC236}">
+                <a16:creationId xmlns:a16="http://schemas.microsoft.com/office/drawing/2014/main" id="{59FA8C2E-A5A7-4490-927A-7CD58343EDBB}"/>
               </a:ext>
               <a:ext uri="{C183D7F6-B498-43B3-948B-1728B52AA6E4}">
                 <adec:decorative xmlns:adec="http://schemas.microsoft.com/office/drawing/2017/decorative" val="1"/>
@@ -9736,20 +11725,179 @@
           </p:nvPr>
         </p:nvSpPr>
         <p:spPr>
-          <a:xfrm>
-            <a:off x="395893" y="2443480"/>
-            <a:ext cx="3383280" cy="18288"/>
+          <a:xfrm rot="5400000">
+            <a:off x="3566159" y="1353312"/>
+            <a:ext cx="1554480" cy="18288"/>
           </a:xfrm>
-          <a:prstGeom prst="rect">
+          <a:custGeom>
             <a:avLst/>
-          </a:prstGeom>
+            <a:gdLst>
+              <a:gd name="connsiteX0" fmla="*/ 0 w 1554480"/>
+              <a:gd name="connsiteY0" fmla="*/ 0 h 18288"/>
+              <a:gd name="connsiteX1" fmla="*/ 549250 w 1554480"/>
+              <a:gd name="connsiteY1" fmla="*/ 0 h 18288"/>
+              <a:gd name="connsiteX2" fmla="*/ 1082954 w 1554480"/>
+              <a:gd name="connsiteY2" fmla="*/ 0 h 18288"/>
+              <a:gd name="connsiteX3" fmla="*/ 1554480 w 1554480"/>
+              <a:gd name="connsiteY3" fmla="*/ 0 h 18288"/>
+              <a:gd name="connsiteX4" fmla="*/ 1554480 w 1554480"/>
+              <a:gd name="connsiteY4" fmla="*/ 18288 h 18288"/>
+              <a:gd name="connsiteX5" fmla="*/ 1067410 w 1554480"/>
+              <a:gd name="connsiteY5" fmla="*/ 18288 h 18288"/>
+              <a:gd name="connsiteX6" fmla="*/ 549250 w 1554480"/>
+              <a:gd name="connsiteY6" fmla="*/ 18288 h 18288"/>
+              <a:gd name="connsiteX7" fmla="*/ 0 w 1554480"/>
+              <a:gd name="connsiteY7" fmla="*/ 18288 h 18288"/>
+              <a:gd name="connsiteX8" fmla="*/ 0 w 1554480"/>
+              <a:gd name="connsiteY8" fmla="*/ 0 h 18288"/>
+            </a:gdLst>
+            <a:ahLst/>
+            <a:cxnLst>
+              <a:cxn ang="0">
+                <a:pos x="connsiteX0" y="connsiteY0"/>
+              </a:cxn>
+              <a:cxn ang="0">
+                <a:pos x="connsiteX1" y="connsiteY1"/>
+              </a:cxn>
+              <a:cxn ang="0">
+                <a:pos x="connsiteX2" y="connsiteY2"/>
+              </a:cxn>
+              <a:cxn ang="0">
+                <a:pos x="connsiteX3" y="connsiteY3"/>
+              </a:cxn>
+              <a:cxn ang="0">
+                <a:pos x="connsiteX4" y="connsiteY4"/>
+              </a:cxn>
+              <a:cxn ang="0">
+                <a:pos x="connsiteX5" y="connsiteY5"/>
+              </a:cxn>
+              <a:cxn ang="0">
+                <a:pos x="connsiteX6" y="connsiteY6"/>
+              </a:cxn>
+              <a:cxn ang="0">
+                <a:pos x="connsiteX7" y="connsiteY7"/>
+              </a:cxn>
+              <a:cxn ang="0">
+                <a:pos x="connsiteX8" y="connsiteY8"/>
+              </a:cxn>
+            </a:cxnLst>
+            <a:rect l="l" t="t" r="r" b="b"/>
+            <a:pathLst>
+              <a:path w="1554480" h="18288" fill="none" extrusionOk="0">
+                <a:moveTo>
+                  <a:pt x="0" y="0"/>
+                </a:moveTo>
+                <a:cubicBezTo>
+                  <a:pt x="114141" y="-19864"/>
+                  <a:pt x="345055" y="-1657"/>
+                  <a:pt x="549250" y="0"/>
+                </a:cubicBezTo>
+                <a:cubicBezTo>
+                  <a:pt x="753445" y="1657"/>
+                  <a:pt x="862292" y="-5674"/>
+                  <a:pt x="1082954" y="0"/>
+                </a:cubicBezTo>
+                <a:cubicBezTo>
+                  <a:pt x="1303616" y="5674"/>
+                  <a:pt x="1363530" y="4537"/>
+                  <a:pt x="1554480" y="0"/>
+                </a:cubicBezTo>
+                <a:cubicBezTo>
+                  <a:pt x="1554963" y="7176"/>
+                  <a:pt x="1553909" y="13682"/>
+                  <a:pt x="1554480" y="18288"/>
+                </a:cubicBezTo>
+                <a:cubicBezTo>
+                  <a:pt x="1338847" y="6127"/>
+                  <a:pt x="1215066" y="37851"/>
+                  <a:pt x="1067410" y="18288"/>
+                </a:cubicBezTo>
+                <a:cubicBezTo>
+                  <a:pt x="919754" y="-1275"/>
+                  <a:pt x="800465" y="3080"/>
+                  <a:pt x="549250" y="18288"/>
+                </a:cubicBezTo>
+                <a:cubicBezTo>
+                  <a:pt x="298035" y="33496"/>
+                  <a:pt x="158868" y="22769"/>
+                  <a:pt x="0" y="18288"/>
+                </a:cubicBezTo>
+                <a:cubicBezTo>
+                  <a:pt x="-655" y="13237"/>
+                  <a:pt x="709" y="4645"/>
+                  <a:pt x="0" y="0"/>
+                </a:cubicBezTo>
+                <a:close/>
+              </a:path>
+              <a:path w="1554480" h="18288" stroke="0" extrusionOk="0">
+                <a:moveTo>
+                  <a:pt x="0" y="0"/>
+                </a:moveTo>
+                <a:cubicBezTo>
+                  <a:pt x="249941" y="-58"/>
+                  <a:pt x="367334" y="23448"/>
+                  <a:pt x="502615" y="0"/>
+                </a:cubicBezTo>
+                <a:cubicBezTo>
+                  <a:pt x="637897" y="-23448"/>
+                  <a:pt x="813653" y="-20418"/>
+                  <a:pt x="974141" y="0"/>
+                </a:cubicBezTo>
+                <a:cubicBezTo>
+                  <a:pt x="1134629" y="20418"/>
+                  <a:pt x="1268772" y="6288"/>
+                  <a:pt x="1554480" y="0"/>
+                </a:cubicBezTo>
+                <a:cubicBezTo>
+                  <a:pt x="1554917" y="7222"/>
+                  <a:pt x="1555359" y="13299"/>
+                  <a:pt x="1554480" y="18288"/>
+                </a:cubicBezTo>
+                <a:cubicBezTo>
+                  <a:pt x="1336087" y="12172"/>
+                  <a:pt x="1310024" y="19759"/>
+                  <a:pt x="1067410" y="18288"/>
+                </a:cubicBezTo>
+                <a:cubicBezTo>
+                  <a:pt x="824796" y="16818"/>
+                  <a:pt x="787902" y="34647"/>
+                  <a:pt x="518160" y="18288"/>
+                </a:cubicBezTo>
+                <a:cubicBezTo>
+                  <a:pt x="248418" y="1930"/>
+                  <a:pt x="133160" y="9205"/>
+                  <a:pt x="0" y="18288"/>
+                </a:cubicBezTo>
+                <a:cubicBezTo>
+                  <a:pt x="-643" y="9451"/>
+                  <a:pt x="-340" y="7114"/>
+                  <a:pt x="0" y="0"/>
+                </a:cubicBezTo>
+                <a:close/>
+              </a:path>
+            </a:pathLst>
+          </a:custGeom>
           <a:solidFill>
-            <a:srgbClr val="D5D5D5"/>
+            <a:srgbClr val="FFFFFF"/>
           </a:solidFill>
-          <a:ln w="3175">
-            <a:noFill/>
+          <a:ln w="41275" cap="rnd">
+            <a:solidFill>
+              <a:srgbClr val="FFFFFF"/>
+            </a:solidFill>
+            <a:round/>
+            <a:extLst>
+              <a:ext uri="{C807C97D-BFC1-408E-A445-0C87EB9F89A2}">
+                <ask:lineSketchStyleProps xmlns:ask="http://schemas.microsoft.com/office/drawing/2018/sketchyshapes" sd="1219033472">
+                  <a:prstGeom prst="rect">
+                    <a:avLst/>
+                  </a:prstGeom>
+                  <ask:type>
+                    <ask:lineSketchFreehand/>
+                  </ask:type>
+                </ask:lineSketchStyleProps>
+              </a:ext>
+            </a:extLst>
           </a:ln>
-          <a:effectLst/>
         </p:spPr>
         <p:style>
           <a:lnRef idx="2">
@@ -9771,37 +11919,8 @@
           <a:bodyPr rtlCol="0" anchor="ctr"/>
           <a:lstStyle/>
           <a:p>
-            <a:pPr marL="0" marR="0" lvl="0" indent="0" algn="ctr" defTabSz="914400" rtl="0" eaLnBrk="1" fontAlgn="auto" latinLnBrk="0" hangingPunct="1">
-              <a:lnSpc>
-                <a:spcPct val="100000"/>
-              </a:lnSpc>
-              <a:spcBef>
-                <a:spcPts val="0"/>
-              </a:spcBef>
-              <a:spcAft>
-                <a:spcPts val="0"/>
-              </a:spcAft>
-              <a:buClrTx/>
-              <a:buSzTx/>
-              <a:buFontTx/>
-              <a:buNone/>
-              <a:tabLst/>
-              <a:defRPr/>
-            </a:pPr>
-            <a:endParaRPr kumimoji="0" lang="en-US" sz="1800" b="0" i="0" u="none" strike="noStrike" kern="1200" cap="none" spc="0" normalizeH="0" baseline="0" noProof="0">
-              <a:ln>
-                <a:noFill/>
-              </a:ln>
-              <a:solidFill>
-                <a:prstClr val="white"/>
-              </a:solidFill>
-              <a:effectLst/>
-              <a:uLnTx/>
-              <a:uFillTx/>
-              <a:latin typeface="Calibri" panose="020F0502020204030204"/>
-              <a:ea typeface="+mn-ea"/>
-              <a:cs typeface="+mn-cs"/>
-            </a:endParaRPr>
+            <a:pPr algn="ctr"/>
+            <a:endParaRPr lang="en-US"/>
           </a:p>
         </p:txBody>
       </p:sp>
@@ -9810,7 +11929,7 @@
           <p:cNvPr id="9" name="Content Placeholder 8">
             <a:extLst>
               <a:ext uri="{FF2B5EF4-FFF2-40B4-BE49-F238E27FC236}">
-                <a16:creationId xmlns:a16="http://schemas.microsoft.com/office/drawing/2014/main" id="{BFCA78C5-95C8-60A0-5C9F-45E4A0F74BBA}"/>
+                <a16:creationId xmlns:a16="http://schemas.microsoft.com/office/drawing/2014/main" id="{7CA103CC-5DAF-B453-9C9E-E8B42813BCB3}"/>
               </a:ext>
             </a:extLst>
           </p:cNvPr>
@@ -9823,50 +11942,33 @@
         </p:nvSpPr>
         <p:spPr>
           <a:xfrm>
-            <a:off x="371094" y="2718054"/>
-            <a:ext cx="3438906" cy="3207258"/>
+            <a:off x="4474462" y="630936"/>
+            <a:ext cx="7074409" cy="1463040"/>
           </a:xfrm>
         </p:spPr>
         <p:txBody>
-          <a:bodyPr anchor="t">
+          <a:bodyPr anchor="ctr">
             <a:normAutofit/>
           </a:bodyPr>
           <a:lstStyle/>
           <a:p>
             <a:r>
-              <a:rPr lang="en-US" sz="1700" dirty="0"/>
-              <a:t>The data was very imbalanced which lead to a score of .72 </a:t>
+              <a:rPr lang="en-US" sz="2200" dirty="0">
+                <a:solidFill>
+                  <a:srgbClr val="FFFFFF"/>
+                </a:solidFill>
+              </a:rPr>
+              <a:t>Predictions from our linear regression model showed that on 2020/01/05  flight F9 from DEN to SLC will have a higher delay. </a:t>
             </a:r>
-          </a:p>
-          <a:p>
-            <a:pPr marL="0" indent="0">
-              <a:buNone/>
-            </a:pPr>
-            <a:endParaRPr lang="en-US" sz="1700" dirty="0"/>
-          </a:p>
-          <a:p>
-            <a:r>
-              <a:rPr lang="en-US" sz="1700" dirty="0"/>
-              <a:t>Overall, this model cannot be relied upon to predict flight delays</a:t>
-            </a:r>
-          </a:p>
-          <a:p>
-            <a:endParaRPr lang="en-US" sz="1700" dirty="0"/>
-          </a:p>
-          <a:p>
-            <a:endParaRPr lang="en-US" sz="1700" dirty="0"/>
-          </a:p>
-          <a:p>
-            <a:endParaRPr lang="en-US" sz="1700" dirty="0"/>
           </a:p>
         </p:txBody>
       </p:sp>
       <p:pic>
         <p:nvPicPr>
-          <p:cNvPr id="5" name="Content Placeholder 4" descr="A picture containing text, screenshot, number, diagram&#10;&#10;Description automatically generated">
-            <a:extLst>
-              <a:ext uri="{FF2B5EF4-FFF2-40B4-BE49-F238E27FC236}">
-                <a16:creationId xmlns:a16="http://schemas.microsoft.com/office/drawing/2014/main" id="{CAEEBFA4-3B20-9FC5-BF2B-CF0C9968D586}"/>
+          <p:cNvPr id="10" name="Picture 9" descr="A screenshot of a computer&#10;&#10;Description automatically generated with low confidence">
+            <a:extLst>
+              <a:ext uri="{FF2B5EF4-FFF2-40B4-BE49-F238E27FC236}">
+                <a16:creationId xmlns:a16="http://schemas.microsoft.com/office/drawing/2014/main" id="{7A203E30-31AD-2398-90EB-8DF4FE23C797}"/>
               </a:ext>
             </a:extLst>
           </p:cNvPr>
@@ -9889,8 +11991,8 @@
         </p:blipFill>
         <p:spPr>
           <a:xfrm>
-            <a:off x="4901184" y="874887"/>
-            <a:ext cx="6922008" cy="5208809"/>
+            <a:off x="630936" y="3410071"/>
+            <a:ext cx="10917936" cy="2401946"/>
           </a:xfrm>
           <a:prstGeom prst="rect">
             <a:avLst/>
@@ -9900,7 +12002,7 @@
     </p:spTree>
     <p:extLst>
       <p:ext uri="{BB962C8B-B14F-4D97-AF65-F5344CB8AC3E}">
-        <p14:creationId xmlns:p14="http://schemas.microsoft.com/office/powerpoint/2010/main" val="4173952578"/>
+        <p14:creationId xmlns:p14="http://schemas.microsoft.com/office/powerpoint/2010/main" val="310814485"/>
       </p:ext>
     </p:extLst>
   </p:cSld>
@@ -9910,9 +12012,17 @@
 </p:sld>
 </file>
 
-<file path=ppt/slides/slide17.xml><?xml version="1.0" encoding="utf-8"?>
+<file path=ppt/slides/slide19.xml><?xml version="1.0" encoding="utf-8"?>
 <p:sld xmlns:a="http://schemas.openxmlformats.org/drawingml/2006/main" xmlns:r="http://schemas.openxmlformats.org/officeDocument/2006/relationships" xmlns:p="http://schemas.openxmlformats.org/presentationml/2006/main">
   <p:cSld>
+    <p:bg>
+      <p:bgPr>
+        <a:solidFill>
+          <a:schemeClr val="bg1"/>
+        </a:solidFill>
+        <a:effectLst/>
+      </p:bgPr>
+    </p:bg>
     <p:spTree>
       <p:nvGrpSpPr>
         <p:cNvPr id="1" name=""/>
@@ -9927,6 +12037,66 @@
           <a:chExt cx="0" cy="0"/>
         </a:xfrm>
       </p:grpSpPr>
+      <p:sp useBgFill="1">
+        <p:nvSpPr>
+          <p:cNvPr id="8" name="Rectangle 7">
+            <a:extLst>
+              <a:ext uri="{FF2B5EF4-FFF2-40B4-BE49-F238E27FC236}">
+                <a16:creationId xmlns:a16="http://schemas.microsoft.com/office/drawing/2014/main" id="{DBF61EA3-B236-439E-9C0B-340980D56BEE}"/>
+              </a:ext>
+              <a:ext uri="{C183D7F6-B498-43B3-948B-1728B52AA6E4}">
+                <adec:decorative xmlns:adec="http://schemas.microsoft.com/office/drawing/2017/decorative" val="1"/>
+              </a:ext>
+            </a:extLst>
+          </p:cNvPr>
+          <p:cNvSpPr>
+            <a:spLocks noGrp="1" noRot="1" noChangeAspect="1" noMove="1" noResize="1" noEditPoints="1" noAdjustHandles="1" noChangeArrowheads="1" noChangeShapeType="1" noTextEdit="1"/>
+          </p:cNvSpPr>
+          <p:nvPr>
+            <p:extLst>
+              <p:ext uri="{386F3935-93C4-4BCD-93E2-E3B085C9AB24}">
+                <p16:designElem xmlns:p16="http://schemas.microsoft.com/office/powerpoint/2015/main" val="1"/>
+              </p:ext>
+            </p:extLst>
+          </p:nvPr>
+        </p:nvSpPr>
+        <p:spPr>
+          <a:xfrm>
+            <a:off x="0" y="0"/>
+            <a:ext cx="12191999" cy="6857365"/>
+          </a:xfrm>
+          <a:prstGeom prst="rect">
+            <a:avLst/>
+          </a:prstGeom>
+          <a:ln>
+            <a:noFill/>
+          </a:ln>
+        </p:spPr>
+        <p:style>
+          <a:lnRef idx="2">
+            <a:schemeClr val="accent1">
+              <a:shade val="50000"/>
+            </a:schemeClr>
+          </a:lnRef>
+          <a:fillRef idx="1">
+            <a:schemeClr val="accent1"/>
+          </a:fillRef>
+          <a:effectRef idx="0">
+            <a:schemeClr val="accent1"/>
+          </a:effectRef>
+          <a:fontRef idx="minor">
+            <a:schemeClr val="lt1"/>
+          </a:fontRef>
+        </p:style>
+        <p:txBody>
+          <a:bodyPr rtlCol="0" anchor="ctr"/>
+          <a:lstStyle/>
+          <a:p>
+            <a:pPr algn="ctr"/>
+            <a:endParaRPr lang="en-US"/>
+          </a:p>
+        </p:txBody>
+      </p:sp>
       <p:sp>
         <p:nvSpPr>
           <p:cNvPr id="2" name="Title 1">
@@ -9943,11 +12113,245 @@
             <p:ph type="title"/>
           </p:nvPr>
         </p:nvSpPr>
-        <p:spPr/>
+        <p:spPr>
+          <a:xfrm>
+            <a:off x="808638" y="386930"/>
+            <a:ext cx="9236700" cy="1188950"/>
+          </a:xfrm>
+        </p:spPr>
         <p:txBody>
-          <a:bodyPr/>
+          <a:bodyPr anchor="b">
+            <a:normAutofit/>
+          </a:bodyPr>
           <a:lstStyle/>
           <a:p>
+            <a:r>
+              <a:rPr lang="en-US" sz="5400"/>
+              <a:t>Challenges </a:t>
+            </a:r>
+          </a:p>
+        </p:txBody>
+      </p:sp>
+      <p:grpSp>
+        <p:nvGrpSpPr>
+          <p:cNvPr id="10" name="Group 9">
+            <a:extLst>
+              <a:ext uri="{FF2B5EF4-FFF2-40B4-BE49-F238E27FC236}">
+                <a16:creationId xmlns:a16="http://schemas.microsoft.com/office/drawing/2014/main" id="{28FAF094-D087-493F-8DF9-A486C2D6BBAA}"/>
+              </a:ext>
+              <a:ext uri="{C183D7F6-B498-43B3-948B-1728B52AA6E4}">
+                <adec:decorative xmlns:adec="http://schemas.microsoft.com/office/drawing/2017/decorative" val="1"/>
+              </a:ext>
+            </a:extLst>
+          </p:cNvPr>
+          <p:cNvGrpSpPr>
+            <a:grpSpLocks noGrp="1" noUngrp="1" noRot="1" noChangeAspect="1" noMove="1" noResize="1"/>
+          </p:cNvGrpSpPr>
+          <p:nvPr>
+            <p:extLst>
+              <p:ext uri="{386F3935-93C4-4BCD-93E2-E3B085C9AB24}">
+                <p16:designElem xmlns:p16="http://schemas.microsoft.com/office/powerpoint/2015/main" val="1"/>
+              </p:ext>
+            </p:extLst>
+          </p:nvPr>
+        </p:nvGrpSpPr>
+        <p:grpSpPr>
+          <a:xfrm>
+            <a:off x="-2" y="1998368"/>
+            <a:ext cx="11695083" cy="782176"/>
+            <a:chOff x="-2" y="1998368"/>
+            <a:chExt cx="11695083" cy="782176"/>
+          </a:xfrm>
+        </p:grpSpPr>
+        <p:sp>
+          <p:nvSpPr>
+            <p:cNvPr id="11" name="Rectangle 10">
+              <a:extLst>
+                <a:ext uri="{FF2B5EF4-FFF2-40B4-BE49-F238E27FC236}">
+                  <a16:creationId xmlns:a16="http://schemas.microsoft.com/office/drawing/2014/main" id="{8D7C88D8-5509-4514-925A-9CE148E5CBD6}"/>
+                </a:ext>
+                <a:ext uri="{C183D7F6-B498-43B3-948B-1728B52AA6E4}">
+                  <adec:decorative xmlns:adec="http://schemas.microsoft.com/office/drawing/2017/decorative" val="1"/>
+                </a:ext>
+              </a:extLst>
+            </p:cNvPr>
+            <p:cNvSpPr/>
+            <p:nvPr>
+              <p:extLst>
+                <p:ext uri="{386F3935-93C4-4BCD-93E2-E3B085C9AB24}">
+                  <p16:designElem xmlns:p16="http://schemas.microsoft.com/office/powerpoint/2015/main" val="1"/>
+                </p:ext>
+              </p:extLst>
+            </p:nvPr>
+          </p:nvSpPr>
+          <p:spPr>
+            <a:xfrm rot="5400000">
+              <a:off x="11228040" y="2313027"/>
+              <a:ext cx="781700" cy="152382"/>
+            </a:xfrm>
+            <a:prstGeom prst="rect">
+              <a:avLst/>
+            </a:prstGeom>
+            <a:solidFill>
+              <a:schemeClr val="accent4"/>
+            </a:solidFill>
+            <a:ln>
+              <a:noFill/>
+            </a:ln>
+          </p:spPr>
+          <p:style>
+            <a:lnRef idx="2">
+              <a:schemeClr val="accent1">
+                <a:shade val="50000"/>
+              </a:schemeClr>
+            </a:lnRef>
+            <a:fillRef idx="1">
+              <a:schemeClr val="accent1"/>
+            </a:fillRef>
+            <a:effectRef idx="0">
+              <a:schemeClr val="accent1"/>
+            </a:effectRef>
+            <a:fontRef idx="minor">
+              <a:schemeClr val="lt1"/>
+            </a:fontRef>
+          </p:style>
+          <p:txBody>
+            <a:bodyPr rtlCol="0" anchor="ctr"/>
+            <a:lstStyle/>
+            <a:p>
+              <a:pPr algn="ctr"/>
+              <a:endParaRPr lang="en-US"/>
+            </a:p>
+          </p:txBody>
+        </p:sp>
+        <p:sp>
+          <p:nvSpPr>
+            <p:cNvPr id="12" name="Rectangle 11">
+              <a:extLst>
+                <a:ext uri="{FF2B5EF4-FFF2-40B4-BE49-F238E27FC236}">
+                  <a16:creationId xmlns:a16="http://schemas.microsoft.com/office/drawing/2014/main" id="{7275593D-F75E-4426-AE3E-2CDEFD228D25}"/>
+                </a:ext>
+                <a:ext uri="{C183D7F6-B498-43B3-948B-1728B52AA6E4}">
+                  <adec:decorative xmlns:adec="http://schemas.microsoft.com/office/drawing/2017/decorative" val="1"/>
+                </a:ext>
+              </a:extLst>
+            </p:cNvPr>
+            <p:cNvSpPr/>
+            <p:nvPr>
+              <p:extLst>
+                <p:ext uri="{386F3935-93C4-4BCD-93E2-E3B085C9AB24}">
+                  <p16:designElem xmlns:p16="http://schemas.microsoft.com/office/powerpoint/2015/main" val="1"/>
+                </p:ext>
+              </p:extLst>
+            </p:nvPr>
+          </p:nvSpPr>
+          <p:spPr>
+            <a:xfrm flipH="1" flipV="1">
+              <a:off x="-2" y="1998845"/>
+              <a:ext cx="11454595" cy="781699"/>
+            </a:xfrm>
+            <a:prstGeom prst="rect">
+              <a:avLst/>
+            </a:prstGeom>
+            <a:solidFill>
+              <a:schemeClr val="accent4"/>
+            </a:solidFill>
+            <a:ln>
+              <a:noFill/>
+            </a:ln>
+          </p:spPr>
+          <p:style>
+            <a:lnRef idx="2">
+              <a:schemeClr val="accent1">
+                <a:shade val="50000"/>
+              </a:schemeClr>
+            </a:lnRef>
+            <a:fillRef idx="1">
+              <a:schemeClr val="accent1"/>
+            </a:fillRef>
+            <a:effectRef idx="0">
+              <a:schemeClr val="accent1"/>
+            </a:effectRef>
+            <a:fontRef idx="minor">
+              <a:schemeClr val="lt1"/>
+            </a:fontRef>
+          </p:style>
+          <p:txBody>
+            <a:bodyPr rtlCol="0" anchor="ctr"/>
+            <a:lstStyle/>
+            <a:p>
+              <a:pPr algn="ctr"/>
+              <a:endParaRPr lang="en-US"/>
+            </a:p>
+          </p:txBody>
+        </p:sp>
+      </p:grpSp>
+      <p:sp>
+        <p:nvSpPr>
+          <p:cNvPr id="14" name="Rectangle 13">
+            <a:extLst>
+              <a:ext uri="{FF2B5EF4-FFF2-40B4-BE49-F238E27FC236}">
+                <a16:creationId xmlns:a16="http://schemas.microsoft.com/office/drawing/2014/main" id="{E659831F-0D9A-4C63-9EBB-8435B85A440F}"/>
+              </a:ext>
+              <a:ext uri="{C183D7F6-B498-43B3-948B-1728B52AA6E4}">
+                <adec:decorative xmlns:adec="http://schemas.microsoft.com/office/drawing/2017/decorative" val="1"/>
+              </a:ext>
+            </a:extLst>
+          </p:cNvPr>
+          <p:cNvSpPr>
+            <a:spLocks noGrp="1" noRot="1" noChangeAspect="1" noMove="1" noResize="1" noEditPoints="1" noAdjustHandles="1" noChangeArrowheads="1" noChangeShapeType="1" noTextEdit="1"/>
+          </p:cNvSpPr>
+          <p:nvPr>
+            <p:extLst>
+              <p:ext uri="{386F3935-93C4-4BCD-93E2-E3B085C9AB24}">
+                <p16:designElem xmlns:p16="http://schemas.microsoft.com/office/powerpoint/2015/main" val="1"/>
+              </p:ext>
+            </p:extLst>
+          </p:nvPr>
+        </p:nvSpPr>
+        <p:spPr>
+          <a:xfrm>
+            <a:off x="0" y="2203079"/>
+            <a:ext cx="11383362" cy="4147845"/>
+          </a:xfrm>
+          <a:prstGeom prst="rect">
+            <a:avLst/>
+          </a:prstGeom>
+          <a:solidFill>
+            <a:schemeClr val="bg1"/>
+          </a:solidFill>
+          <a:ln>
+            <a:noFill/>
+          </a:ln>
+          <a:effectLst>
+            <a:outerShdw blurRad="139700" dist="127000" dir="5400000" algn="t" rotWithShape="0">
+              <a:prstClr val="black">
+                <a:alpha val="15000"/>
+              </a:prstClr>
+            </a:outerShdw>
+          </a:effectLst>
+        </p:spPr>
+        <p:style>
+          <a:lnRef idx="2">
+            <a:schemeClr val="accent1">
+              <a:shade val="50000"/>
+            </a:schemeClr>
+          </a:lnRef>
+          <a:fillRef idx="1">
+            <a:schemeClr val="accent1"/>
+          </a:fillRef>
+          <a:effectRef idx="0">
+            <a:schemeClr val="accent1"/>
+          </a:effectRef>
+          <a:fontRef idx="minor">
+            <a:schemeClr val="lt1"/>
+          </a:fontRef>
+        </p:style>
+        <p:txBody>
+          <a:bodyPr rtlCol="0" anchor="ctr"/>
+          <a:lstStyle/>
+          <a:p>
+            <a:pPr algn="ctr"/>
             <a:endParaRPr lang="en-US"/>
           </a:p>
         </p:txBody>
@@ -9968,12 +12372,65 @@
             <p:ph idx="1"/>
           </p:nvPr>
         </p:nvSpPr>
-        <p:spPr/>
+        <p:spPr>
+          <a:xfrm>
+            <a:off x="793660" y="2599509"/>
+            <a:ext cx="10143668" cy="3435531"/>
+          </a:xfrm>
+        </p:spPr>
         <p:txBody>
-          <a:bodyPr/>
+          <a:bodyPr anchor="ctr">
+            <a:normAutofit/>
+          </a:bodyPr>
           <a:lstStyle/>
           <a:p>
-            <a:endParaRPr lang="en-US"/>
+            <a:r>
+              <a:rPr lang="en-US" sz="2200"/>
+              <a:t>Loading the datasets: Very large dataset.</a:t>
+            </a:r>
+          </a:p>
+          <a:p>
+            <a:r>
+              <a:rPr lang="en-US" sz="2200"/>
+              <a:t>Imbalanced data (majority of arrival delays have negative values)</a:t>
+            </a:r>
+          </a:p>
+          <a:p>
+            <a:r>
+              <a:rPr lang="en-US" sz="2200"/>
+              <a:t>Outliers </a:t>
+            </a:r>
+          </a:p>
+          <a:p>
+            <a:r>
+              <a:rPr lang="en-US" sz="2200"/>
+              <a:t>Feature engineering:</a:t>
+            </a:r>
+          </a:p>
+          <a:p>
+            <a:pPr lvl="1"/>
+            <a:r>
+              <a:rPr lang="en-US" sz="2200"/>
+              <a:t> getting the right features that improve model performance.</a:t>
+            </a:r>
+          </a:p>
+          <a:p>
+            <a:r>
+              <a:rPr lang="en-US" sz="2200"/>
+              <a:t>Github collaboration conflicts </a:t>
+            </a:r>
+          </a:p>
+          <a:p>
+            <a:r>
+              <a:rPr lang="en-US" sz="2200"/>
+              <a:t>Memory issues with the models (crashing kernel etc.)</a:t>
+            </a:r>
+          </a:p>
+          <a:p>
+            <a:r>
+              <a:rPr lang="en-US" sz="2200"/>
+              <a:t>Choosing the right model </a:t>
+            </a:r>
           </a:p>
         </p:txBody>
       </p:sp>
@@ -10142,53 +12599,53 @@
               <a:buNone/>
             </a:pPr>
             <a:r>
-              <a:rPr lang="en-US" sz="1700" b="0">
+              <a:rPr lang="en-US" sz="1700" b="0" dirty="0">
                 <a:effectLst/>
                 <a:latin typeface="Consolas" panose="020B0609020204030204" pitchFamily="49" charset="0"/>
               </a:rPr>
               <a:t>The goal of this project is to predict arrival delays of commercial flights in order to improve customer satisfaction and income of the airlines.</a:t>
             </a:r>
-            <a:endParaRPr lang="en-US" sz="1700"/>
+            <a:endParaRPr lang="en-US" sz="1700" dirty="0"/>
           </a:p>
           <a:p>
             <a:r>
-              <a:rPr lang="en-US" sz="1700"/>
+              <a:rPr lang="en-US" sz="1700" dirty="0"/>
               <a:t> Data Collection and Preprocessing:</a:t>
             </a:r>
           </a:p>
           <a:p>
             <a:r>
-              <a:rPr lang="en-US" sz="1700"/>
+              <a:rPr lang="en-US" sz="1700" dirty="0"/>
               <a:t> Exploratory Data Analysis (EDA):</a:t>
             </a:r>
           </a:p>
           <a:p>
             <a:r>
-              <a:rPr lang="en-US" sz="1700"/>
+              <a:rPr lang="en-US" sz="1700" dirty="0"/>
               <a:t> Feature Engineering:</a:t>
             </a:r>
           </a:p>
           <a:p>
             <a:r>
-              <a:rPr lang="en-US" sz="1700"/>
+              <a:rPr lang="en-US" sz="1700" dirty="0"/>
               <a:t> Modeling Approach:</a:t>
             </a:r>
           </a:p>
           <a:p>
             <a:r>
-              <a:rPr lang="en-US" sz="1700"/>
+              <a:rPr lang="en-US" sz="1700" dirty="0"/>
               <a:t> Model Training and Evaluation:</a:t>
             </a:r>
           </a:p>
           <a:p>
             <a:r>
-              <a:rPr lang="en-US" sz="1700"/>
+              <a:rPr lang="en-US" sz="1700" dirty="0"/>
               <a:t> Results and Interpretation:</a:t>
             </a:r>
           </a:p>
           <a:p>
             <a:r>
-              <a:rPr lang="en-US" sz="1700"/>
+              <a:rPr lang="en-US" sz="1700" dirty="0"/>
               <a:t> Conclusion and Future Work</a:t>
             </a:r>
           </a:p>
@@ -10196,7 +12653,7 @@
             <a:pPr marL="0" indent="0">
               <a:buNone/>
             </a:pPr>
-            <a:endParaRPr lang="en-US" sz="1700"/>
+            <a:endParaRPr lang="en-US" sz="1700" dirty="0"/>
           </a:p>
         </p:txBody>
       </p:sp>
@@ -10697,6 +13154,268 @@
     <p:extLst>
       <p:ext uri="{BB962C8B-B14F-4D97-AF65-F5344CB8AC3E}">
         <p14:creationId xmlns:p14="http://schemas.microsoft.com/office/powerpoint/2010/main" val="3770199251"/>
+      </p:ext>
+    </p:extLst>
+  </p:cSld>
+  <p:clrMapOvr>
+    <a:masterClrMapping/>
+  </p:clrMapOvr>
+</p:sld>
+</file>
+
+<file path=ppt/slides/slide20.xml><?xml version="1.0" encoding="utf-8"?>
+<p:sld xmlns:a="http://schemas.openxmlformats.org/drawingml/2006/main" xmlns:r="http://schemas.openxmlformats.org/officeDocument/2006/relationships" xmlns:p="http://schemas.openxmlformats.org/presentationml/2006/main">
+  <p:cSld>
+    <p:bg>
+      <p:bgPr>
+        <a:solidFill>
+          <a:schemeClr val="bg1"/>
+        </a:solidFill>
+        <a:effectLst/>
+      </p:bgPr>
+    </p:bg>
+    <p:spTree>
+      <p:nvGrpSpPr>
+        <p:cNvPr id="1" name=""/>
+        <p:cNvGrpSpPr/>
+        <p:nvPr/>
+      </p:nvGrpSpPr>
+      <p:grpSpPr>
+        <a:xfrm>
+          <a:off x="0" y="0"/>
+          <a:ext cx="0" cy="0"/>
+          <a:chOff x="0" y="0"/>
+          <a:chExt cx="0" cy="0"/>
+        </a:xfrm>
+      </p:grpSpPr>
+      <p:sp useBgFill="1">
+        <p:nvSpPr>
+          <p:cNvPr id="9" name="Rectangle 8">
+            <a:extLst>
+              <a:ext uri="{FF2B5EF4-FFF2-40B4-BE49-F238E27FC236}">
+                <a16:creationId xmlns:a16="http://schemas.microsoft.com/office/drawing/2014/main" id="{C1DD1A8A-57D5-4A81-AD04-532B043C5611}"/>
+              </a:ext>
+              <a:ext uri="{C183D7F6-B498-43B3-948B-1728B52AA6E4}">
+                <adec:decorative xmlns:adec="http://schemas.microsoft.com/office/drawing/2017/decorative" val="1"/>
+              </a:ext>
+            </a:extLst>
+          </p:cNvPr>
+          <p:cNvSpPr>
+            <a:spLocks noGrp="1" noRot="1" noChangeAspect="1" noMove="1" noResize="1" noEditPoints="1" noAdjustHandles="1" noChangeArrowheads="1" noChangeShapeType="1" noTextEdit="1"/>
+          </p:cNvSpPr>
+          <p:nvPr>
+            <p:extLst>
+              <p:ext uri="{386F3935-93C4-4BCD-93E2-E3B085C9AB24}">
+                <p16:designElem xmlns:p16="http://schemas.microsoft.com/office/powerpoint/2015/main" val="1"/>
+              </p:ext>
+            </p:extLst>
+          </p:nvPr>
+        </p:nvSpPr>
+        <p:spPr>
+          <a:xfrm>
+            <a:off x="-1" y="0"/>
+            <a:ext cx="12188952" cy="6858000"/>
+          </a:xfrm>
+          <a:prstGeom prst="rect">
+            <a:avLst/>
+          </a:prstGeom>
+          <a:ln>
+            <a:noFill/>
+          </a:ln>
+        </p:spPr>
+        <p:style>
+          <a:lnRef idx="2">
+            <a:schemeClr val="accent1">
+              <a:shade val="50000"/>
+            </a:schemeClr>
+          </a:lnRef>
+          <a:fillRef idx="1">
+            <a:schemeClr val="accent1"/>
+          </a:fillRef>
+          <a:effectRef idx="0">
+            <a:schemeClr val="accent1"/>
+          </a:effectRef>
+          <a:fontRef idx="minor">
+            <a:schemeClr val="lt1"/>
+          </a:fontRef>
+        </p:style>
+        <p:txBody>
+          <a:bodyPr rtlCol="0" anchor="ctr"/>
+          <a:lstStyle/>
+          <a:p>
+            <a:pPr algn="ctr"/>
+            <a:endParaRPr lang="en-US"/>
+          </a:p>
+        </p:txBody>
+      </p:sp>
+      <p:pic>
+        <p:nvPicPr>
+          <p:cNvPr id="5" name="Picture 4" descr="Question marks in a line and one question mark is lit">
+            <a:extLst>
+              <a:ext uri="{FF2B5EF4-FFF2-40B4-BE49-F238E27FC236}">
+                <a16:creationId xmlns:a16="http://schemas.microsoft.com/office/drawing/2014/main" id="{6E63F628-43A6-7AAA-C14D-4FD38903D2D2}"/>
+              </a:ext>
+            </a:extLst>
+          </p:cNvPr>
+          <p:cNvPicPr>
+            <a:picLocks noChangeAspect="1"/>
+          </p:cNvPicPr>
+          <p:nvPr/>
+        </p:nvPicPr>
+        <p:blipFill rotWithShape="1">
+          <a:blip r:embed="rId2"/>
+          <a:srcRect t="2056" b="13674"/>
+          <a:stretch/>
+        </p:blipFill>
+        <p:spPr>
+          <a:xfrm>
+            <a:off x="-3047" y="10"/>
+            <a:ext cx="12191999" cy="6857990"/>
+          </a:xfrm>
+          <a:prstGeom prst="rect">
+            <a:avLst/>
+          </a:prstGeom>
+        </p:spPr>
+      </p:pic>
+      <p:sp>
+        <p:nvSpPr>
+          <p:cNvPr id="11" name="Rectangle 10">
+            <a:extLst>
+              <a:ext uri="{FF2B5EF4-FFF2-40B4-BE49-F238E27FC236}">
+                <a16:creationId xmlns:a16="http://schemas.microsoft.com/office/drawing/2014/main" id="{007891EC-4501-44ED-A8C8-B11B6DB767AB}"/>
+              </a:ext>
+              <a:ext uri="{C183D7F6-B498-43B3-948B-1728B52AA6E4}">
+                <adec:decorative xmlns:adec="http://schemas.microsoft.com/office/drawing/2017/decorative" val="1"/>
+              </a:ext>
+            </a:extLst>
+          </p:cNvPr>
+          <p:cNvSpPr>
+            <a:spLocks noGrp="1" noRot="1" noChangeAspect="1" noMove="1" noResize="1" noEditPoints="1" noAdjustHandles="1" noChangeArrowheads="1" noChangeShapeType="1" noTextEdit="1"/>
+          </p:cNvSpPr>
+          <p:nvPr>
+            <p:extLst>
+              <p:ext uri="{386F3935-93C4-4BCD-93E2-E3B085C9AB24}">
+                <p16:designElem xmlns:p16="http://schemas.microsoft.com/office/powerpoint/2015/main" val="1"/>
+              </p:ext>
+            </p:extLst>
+          </p:nvPr>
+        </p:nvSpPr>
+        <p:spPr>
+          <a:xfrm>
+            <a:off x="0" y="2207602"/>
+            <a:ext cx="12191999" cy="3162146"/>
+          </a:xfrm>
+          <a:prstGeom prst="rect">
+            <a:avLst/>
+          </a:prstGeom>
+          <a:gradFill flip="none" rotWithShape="1">
+            <a:gsLst>
+              <a:gs pos="0">
+                <a:srgbClr val="000000">
+                  <a:alpha val="0"/>
+                </a:srgbClr>
+              </a:gs>
+              <a:gs pos="25000">
+                <a:srgbClr val="000000">
+                  <a:alpha val="15000"/>
+                </a:srgbClr>
+              </a:gs>
+              <a:gs pos="75000">
+                <a:srgbClr val="000000">
+                  <a:alpha val="15000"/>
+                </a:srgbClr>
+              </a:gs>
+              <a:gs pos="50000">
+                <a:srgbClr val="000000">
+                  <a:alpha val="30000"/>
+                </a:srgbClr>
+              </a:gs>
+              <a:gs pos="100000">
+                <a:srgbClr val="000000">
+                  <a:alpha val="0"/>
+                </a:srgbClr>
+              </a:gs>
+            </a:gsLst>
+            <a:lin ang="16200000" scaled="1"/>
+            <a:tileRect/>
+          </a:gradFill>
+          <a:ln>
+            <a:noFill/>
+          </a:ln>
+        </p:spPr>
+        <p:style>
+          <a:lnRef idx="2">
+            <a:schemeClr val="accent1">
+              <a:shade val="50000"/>
+            </a:schemeClr>
+          </a:lnRef>
+          <a:fillRef idx="1">
+            <a:schemeClr val="accent1"/>
+          </a:fillRef>
+          <a:effectRef idx="0">
+            <a:schemeClr val="accent1"/>
+          </a:effectRef>
+          <a:fontRef idx="minor">
+            <a:schemeClr val="lt1"/>
+          </a:fontRef>
+        </p:style>
+        <p:txBody>
+          <a:bodyPr rtlCol="0" anchor="ctr"/>
+          <a:lstStyle/>
+          <a:p>
+            <a:pPr algn="ctr"/>
+            <a:endParaRPr lang="en-US"/>
+          </a:p>
+        </p:txBody>
+      </p:sp>
+      <p:sp>
+        <p:nvSpPr>
+          <p:cNvPr id="2" name="Title 1">
+            <a:extLst>
+              <a:ext uri="{FF2B5EF4-FFF2-40B4-BE49-F238E27FC236}">
+                <a16:creationId xmlns:a16="http://schemas.microsoft.com/office/drawing/2014/main" id="{BAA20096-15F6-89AD-A79B-E2CF4ECCA967}"/>
+              </a:ext>
+            </a:extLst>
+          </p:cNvPr>
+          <p:cNvSpPr>
+            <a:spLocks noGrp="1"/>
+          </p:cNvSpPr>
+          <p:nvPr>
+            <p:ph type="title"/>
+          </p:nvPr>
+        </p:nvSpPr>
+        <p:spPr>
+          <a:xfrm>
+            <a:off x="1097280" y="325550"/>
+            <a:ext cx="10058400" cy="3574778"/>
+          </a:xfrm>
+          <a:effectLst>
+            <a:outerShdw blurRad="50800" dist="38100" dir="2700000" algn="tl" rotWithShape="0">
+              <a:prstClr val="black">
+                <a:alpha val="40000"/>
+              </a:prstClr>
+            </a:outerShdw>
+          </a:effectLst>
+        </p:spPr>
+        <p:txBody>
+          <a:bodyPr vert="horz" lIns="91440" tIns="45720" rIns="91440" bIns="45720" rtlCol="0" anchor="b">
+            <a:normAutofit/>
+          </a:bodyPr>
+          <a:lstStyle/>
+          <a:p>
+            <a:pPr algn="ctr"/>
+            <a:endParaRPr lang="en-US" sz="1400" dirty="0">
+              <a:solidFill>
+                <a:srgbClr val="FFFFFF"/>
+              </a:solidFill>
+            </a:endParaRPr>
+          </a:p>
+        </p:txBody>
+      </p:sp>
+    </p:spTree>
+    <p:extLst>
+      <p:ext uri="{BB962C8B-B14F-4D97-AF65-F5344CB8AC3E}">
+        <p14:creationId xmlns:p14="http://schemas.microsoft.com/office/powerpoint/2010/main" val="1451651974"/>
       </p:ext>
     </p:extLst>
   </p:cSld>
